--- a/LABB_video_processing/110061562_presentation.pptx
+++ b/LABB_video_processing/110061562_presentation.pptx
@@ -5,36 +5,38 @@
     <p:sldMasterId id="2147483648" r:id="rId1"/>
   </p:sldMasterIdLst>
   <p:notesMasterIdLst>
-    <p:notesMasterId r:id="rId29"/>
+    <p:notesMasterId r:id="rId31"/>
   </p:notesMasterIdLst>
   <p:sldIdLst>
     <p:sldId id="256" r:id="rId2"/>
-    <p:sldId id="257" r:id="rId3"/>
-    <p:sldId id="263" r:id="rId4"/>
-    <p:sldId id="264" r:id="rId5"/>
-    <p:sldId id="258" r:id="rId6"/>
-    <p:sldId id="259" r:id="rId7"/>
-    <p:sldId id="265" r:id="rId8"/>
-    <p:sldId id="260" r:id="rId9"/>
-    <p:sldId id="267" r:id="rId10"/>
-    <p:sldId id="266" r:id="rId11"/>
-    <p:sldId id="270" r:id="rId12"/>
-    <p:sldId id="268" r:id="rId13"/>
-    <p:sldId id="269" r:id="rId14"/>
-    <p:sldId id="271" r:id="rId15"/>
-    <p:sldId id="272" r:id="rId16"/>
-    <p:sldId id="273" r:id="rId17"/>
-    <p:sldId id="274" r:id="rId18"/>
-    <p:sldId id="279" r:id="rId19"/>
-    <p:sldId id="280" r:id="rId20"/>
-    <p:sldId id="281" r:id="rId21"/>
-    <p:sldId id="282" r:id="rId22"/>
-    <p:sldId id="275" r:id="rId23"/>
-    <p:sldId id="276" r:id="rId24"/>
-    <p:sldId id="277" r:id="rId25"/>
-    <p:sldId id="278" r:id="rId26"/>
-    <p:sldId id="261" r:id="rId27"/>
-    <p:sldId id="262" r:id="rId28"/>
+    <p:sldId id="283" r:id="rId3"/>
+    <p:sldId id="257" r:id="rId4"/>
+    <p:sldId id="263" r:id="rId5"/>
+    <p:sldId id="264" r:id="rId6"/>
+    <p:sldId id="258" r:id="rId7"/>
+    <p:sldId id="259" r:id="rId8"/>
+    <p:sldId id="265" r:id="rId9"/>
+    <p:sldId id="260" r:id="rId10"/>
+    <p:sldId id="267" r:id="rId11"/>
+    <p:sldId id="266" r:id="rId12"/>
+    <p:sldId id="270" r:id="rId13"/>
+    <p:sldId id="268" r:id="rId14"/>
+    <p:sldId id="269" r:id="rId15"/>
+    <p:sldId id="271" r:id="rId16"/>
+    <p:sldId id="272" r:id="rId17"/>
+    <p:sldId id="273" r:id="rId18"/>
+    <p:sldId id="274" r:id="rId19"/>
+    <p:sldId id="279" r:id="rId20"/>
+    <p:sldId id="280" r:id="rId21"/>
+    <p:sldId id="281" r:id="rId22"/>
+    <p:sldId id="282" r:id="rId23"/>
+    <p:sldId id="275" r:id="rId24"/>
+    <p:sldId id="276" r:id="rId25"/>
+    <p:sldId id="277" r:id="rId26"/>
+    <p:sldId id="278" r:id="rId27"/>
+    <p:sldId id="261" r:id="rId28"/>
+    <p:sldId id="262" r:id="rId29"/>
+    <p:sldId id="284" r:id="rId30"/>
   </p:sldIdLst>
   <p:sldSz cx="12192000" cy="6858000"/>
   <p:notesSz cx="6858000" cy="9144000"/>
@@ -223,7 +225,7 @@
           <a:p>
             <a:fld id="{22B2568F-10EF-4179-9181-F11D324DF7E1}" type="datetimeFigureOut">
               <a:rPr lang="zh-TW" altLang="en-US" smtClean="0"/>
-              <a:t>2022/3/27</a:t>
+              <a:t>2022/3/29</a:t>
             </a:fld>
             <a:endParaRPr lang="zh-TW" altLang="en-US"/>
           </a:p>
@@ -555,7 +557,7 @@
           <a:p>
             <a:fld id="{4500676E-3F7E-475A-9ACD-BEC3B553C3B7}" type="slidenum">
               <a:rPr lang="zh-TW" altLang="en-US" smtClean="0"/>
-              <a:t>3</a:t>
+              <a:t>4</a:t>
             </a:fld>
             <a:endParaRPr lang="zh-TW" altLang="en-US"/>
           </a:p>
@@ -721,7 +723,7 @@
           <a:p>
             <a:fld id="{2F467076-5D24-47E1-BCF9-22C0B3602CC1}" type="datetimeFigureOut">
               <a:rPr lang="zh-TW" altLang="en-US" smtClean="0"/>
-              <a:t>2022/3/27</a:t>
+              <a:t>2022/3/29</a:t>
             </a:fld>
             <a:endParaRPr lang="zh-TW" altLang="en-US"/>
           </a:p>
@@ -919,7 +921,7 @@
           <a:p>
             <a:fld id="{2F467076-5D24-47E1-BCF9-22C0B3602CC1}" type="datetimeFigureOut">
               <a:rPr lang="zh-TW" altLang="en-US" smtClean="0"/>
-              <a:t>2022/3/27</a:t>
+              <a:t>2022/3/29</a:t>
             </a:fld>
             <a:endParaRPr lang="zh-TW" altLang="en-US"/>
           </a:p>
@@ -1127,7 +1129,7 @@
           <a:p>
             <a:fld id="{2F467076-5D24-47E1-BCF9-22C0B3602CC1}" type="datetimeFigureOut">
               <a:rPr lang="zh-TW" altLang="en-US" smtClean="0"/>
-              <a:t>2022/3/27</a:t>
+              <a:t>2022/3/29</a:t>
             </a:fld>
             <a:endParaRPr lang="zh-TW" altLang="en-US"/>
           </a:p>
@@ -1325,7 +1327,7 @@
           <a:p>
             <a:fld id="{2F467076-5D24-47E1-BCF9-22C0B3602CC1}" type="datetimeFigureOut">
               <a:rPr lang="zh-TW" altLang="en-US" smtClean="0"/>
-              <a:t>2022/3/27</a:t>
+              <a:t>2022/3/29</a:t>
             </a:fld>
             <a:endParaRPr lang="zh-TW" altLang="en-US"/>
           </a:p>
@@ -1600,7 +1602,7 @@
           <a:p>
             <a:fld id="{2F467076-5D24-47E1-BCF9-22C0B3602CC1}" type="datetimeFigureOut">
               <a:rPr lang="zh-TW" altLang="en-US" smtClean="0"/>
-              <a:t>2022/3/27</a:t>
+              <a:t>2022/3/29</a:t>
             </a:fld>
             <a:endParaRPr lang="zh-TW" altLang="en-US"/>
           </a:p>
@@ -1865,7 +1867,7 @@
           <a:p>
             <a:fld id="{2F467076-5D24-47E1-BCF9-22C0B3602CC1}" type="datetimeFigureOut">
               <a:rPr lang="zh-TW" altLang="en-US" smtClean="0"/>
-              <a:t>2022/3/27</a:t>
+              <a:t>2022/3/29</a:t>
             </a:fld>
             <a:endParaRPr lang="zh-TW" altLang="en-US"/>
           </a:p>
@@ -2277,7 +2279,7 @@
           <a:p>
             <a:fld id="{2F467076-5D24-47E1-BCF9-22C0B3602CC1}" type="datetimeFigureOut">
               <a:rPr lang="zh-TW" altLang="en-US" smtClean="0"/>
-              <a:t>2022/3/27</a:t>
+              <a:t>2022/3/29</a:t>
             </a:fld>
             <a:endParaRPr lang="zh-TW" altLang="en-US"/>
           </a:p>
@@ -2418,7 +2420,7 @@
           <a:p>
             <a:fld id="{2F467076-5D24-47E1-BCF9-22C0B3602CC1}" type="datetimeFigureOut">
               <a:rPr lang="zh-TW" altLang="en-US" smtClean="0"/>
-              <a:t>2022/3/27</a:t>
+              <a:t>2022/3/29</a:t>
             </a:fld>
             <a:endParaRPr lang="zh-TW" altLang="en-US"/>
           </a:p>
@@ -2531,7 +2533,7 @@
           <a:p>
             <a:fld id="{2F467076-5D24-47E1-BCF9-22C0B3602CC1}" type="datetimeFigureOut">
               <a:rPr lang="zh-TW" altLang="en-US" smtClean="0"/>
-              <a:t>2022/3/27</a:t>
+              <a:t>2022/3/29</a:t>
             </a:fld>
             <a:endParaRPr lang="zh-TW" altLang="en-US"/>
           </a:p>
@@ -2842,7 +2844,7 @@
           <a:p>
             <a:fld id="{2F467076-5D24-47E1-BCF9-22C0B3602CC1}" type="datetimeFigureOut">
               <a:rPr lang="zh-TW" altLang="en-US" smtClean="0"/>
-              <a:t>2022/3/27</a:t>
+              <a:t>2022/3/29</a:t>
             </a:fld>
             <a:endParaRPr lang="zh-TW" altLang="en-US"/>
           </a:p>
@@ -3130,7 +3132,7 @@
           <a:p>
             <a:fld id="{2F467076-5D24-47E1-BCF9-22C0B3602CC1}" type="datetimeFigureOut">
               <a:rPr lang="zh-TW" altLang="en-US" smtClean="0"/>
-              <a:t>2022/3/27</a:t>
+              <a:t>2022/3/29</a:t>
             </a:fld>
             <a:endParaRPr lang="zh-TW" altLang="en-US"/>
           </a:p>
@@ -3371,7 +3373,7 @@
           <a:p>
             <a:fld id="{2F467076-5D24-47E1-BCF9-22C0B3602CC1}" type="datetimeFigureOut">
               <a:rPr lang="zh-TW" altLang="en-US" smtClean="0"/>
-              <a:t>2022/3/27</a:t>
+              <a:t>2022/3/29</a:t>
             </a:fld>
             <a:endParaRPr lang="zh-TW" altLang="en-US"/>
           </a:p>
@@ -3917,6 +3919,338 @@
 </file>
 
 <file path=ppt/slides/slide10.xml><?xml version="1.0" encoding="utf-8"?>
+<p:sld xmlns:a="http://schemas.openxmlformats.org/drawingml/2006/main" xmlns:r="http://schemas.openxmlformats.org/officeDocument/2006/relationships" xmlns:p="http://schemas.openxmlformats.org/presentationml/2006/main">
+  <p:cSld>
+    <p:spTree>
+      <p:nvGrpSpPr>
+        <p:cNvPr id="1" name=""/>
+        <p:cNvGrpSpPr/>
+        <p:nvPr/>
+      </p:nvGrpSpPr>
+      <p:grpSpPr>
+        <a:xfrm>
+          <a:off x="0" y="0"/>
+          <a:ext cx="0" cy="0"/>
+          <a:chOff x="0" y="0"/>
+          <a:chExt cx="0" cy="0"/>
+        </a:xfrm>
+      </p:grpSpPr>
+      <p:pic>
+        <p:nvPicPr>
+          <p:cNvPr id="10" name="圖片 9">
+            <a:extLst>
+              <a:ext uri="{FF2B5EF4-FFF2-40B4-BE49-F238E27FC236}">
+                <a16:creationId xmlns:a16="http://schemas.microsoft.com/office/drawing/2014/main" id="{4058E5C9-121E-444A-8439-BA6A937B0E8D}"/>
+              </a:ext>
+            </a:extLst>
+          </p:cNvPr>
+          <p:cNvPicPr>
+            <a:picLocks noChangeAspect="1"/>
+          </p:cNvPicPr>
+          <p:nvPr/>
+        </p:nvPicPr>
+        <p:blipFill>
+          <a:blip r:embed="rId2"/>
+          <a:stretch>
+            <a:fillRect/>
+          </a:stretch>
+        </p:blipFill>
+        <p:spPr>
+          <a:xfrm>
+            <a:off x="522339" y="1690688"/>
+            <a:ext cx="8747021" cy="4557600"/>
+          </a:xfrm>
+          <a:prstGeom prst="rect">
+            <a:avLst/>
+          </a:prstGeom>
+        </p:spPr>
+      </p:pic>
+      <p:sp>
+        <p:nvSpPr>
+          <p:cNvPr id="2" name="標題 1">
+            <a:extLst>
+              <a:ext uri="{FF2B5EF4-FFF2-40B4-BE49-F238E27FC236}">
+                <a16:creationId xmlns:a16="http://schemas.microsoft.com/office/drawing/2014/main" id="{5C1F50E3-2316-4E9E-8D16-006E89013110}"/>
+              </a:ext>
+            </a:extLst>
+          </p:cNvPr>
+          <p:cNvSpPr>
+            <a:spLocks noGrp="1"/>
+          </p:cNvSpPr>
+          <p:nvPr>
+            <p:ph type="title"/>
+          </p:nvPr>
+        </p:nvSpPr>
+        <p:spPr/>
+        <p:txBody>
+          <a:bodyPr/>
+          <a:lstStyle/>
+          <a:p>
+            <a:r>
+              <a:rPr lang="en-US" altLang="zh-TW" dirty="0"/>
+              <a:t>Optimize Design 1</a:t>
+            </a:r>
+            <a:br>
+              <a:rPr lang="en-US" altLang="zh-TW" dirty="0"/>
+            </a:br>
+            <a:r>
+              <a:rPr lang="en-US" altLang="zh-TW" dirty="0" err="1"/>
+              <a:t>enable_flush</a:t>
+            </a:r>
+            <a:endParaRPr lang="zh-TW" altLang="en-US" dirty="0"/>
+          </a:p>
+        </p:txBody>
+      </p:sp>
+      <p:sp>
+        <p:nvSpPr>
+          <p:cNvPr id="7" name="文字方塊 6">
+            <a:extLst>
+              <a:ext uri="{FF2B5EF4-FFF2-40B4-BE49-F238E27FC236}">
+                <a16:creationId xmlns:a16="http://schemas.microsoft.com/office/drawing/2014/main" id="{2B8DE209-73CF-4E9C-B679-DAF5EDE231D2}"/>
+              </a:ext>
+            </a:extLst>
+          </p:cNvPr>
+          <p:cNvSpPr txBox="1"/>
+          <p:nvPr/>
+        </p:nvSpPr>
+        <p:spPr>
+          <a:xfrm>
+            <a:off x="9345560" y="3969488"/>
+            <a:ext cx="2447511" cy="1200329"/>
+          </a:xfrm>
+          <a:prstGeom prst="rect">
+            <a:avLst/>
+          </a:prstGeom>
+          <a:noFill/>
+        </p:spPr>
+        <p:txBody>
+          <a:bodyPr wrap="square" rtlCol="0">
+            <a:spAutoFit/>
+          </a:bodyPr>
+          <a:lstStyle/>
+          <a:p>
+            <a:r>
+              <a:rPr lang="en-US" altLang="zh-TW" b="1" dirty="0"/>
+              <a:t>Number of registers decreases</a:t>
+            </a:r>
+          </a:p>
+          <a:p>
+            <a:r>
+              <a:rPr lang="en-US" altLang="zh-TW" b="1" dirty="0"/>
+              <a:t>II increases!</a:t>
+            </a:r>
+          </a:p>
+          <a:p>
+            <a:r>
+              <a:rPr lang="en-US" altLang="zh-TW" b="1" dirty="0">
+                <a:sym typeface="Wingdings" panose="05000000000000000000" pitchFamily="2" charset="2"/>
+              </a:rPr>
+              <a:t> Pipeline shuts down</a:t>
+            </a:r>
+            <a:endParaRPr lang="zh-TW" altLang="en-US" b="1" dirty="0"/>
+          </a:p>
+        </p:txBody>
+      </p:sp>
+      <p:pic>
+        <p:nvPicPr>
+          <p:cNvPr id="13" name="圖片 12">
+            <a:extLst>
+              <a:ext uri="{FF2B5EF4-FFF2-40B4-BE49-F238E27FC236}">
+                <a16:creationId xmlns:a16="http://schemas.microsoft.com/office/drawing/2014/main" id="{3FAECE45-7C3F-4992-B2F9-C96D35C59503}"/>
+              </a:ext>
+            </a:extLst>
+          </p:cNvPr>
+          <p:cNvPicPr>
+            <a:picLocks noChangeAspect="1"/>
+          </p:cNvPicPr>
+          <p:nvPr/>
+        </p:nvPicPr>
+        <p:blipFill>
+          <a:blip r:embed="rId3"/>
+          <a:stretch>
+            <a:fillRect/>
+          </a:stretch>
+        </p:blipFill>
+        <p:spPr>
+          <a:xfrm>
+            <a:off x="6767808" y="362480"/>
+            <a:ext cx="4738392" cy="2991568"/>
+          </a:xfrm>
+          <a:prstGeom prst="rect">
+            <a:avLst/>
+          </a:prstGeom>
+        </p:spPr>
+      </p:pic>
+      <p:sp>
+        <p:nvSpPr>
+          <p:cNvPr id="6" name="矩形: 圓角 5">
+            <a:extLst>
+              <a:ext uri="{FF2B5EF4-FFF2-40B4-BE49-F238E27FC236}">
+                <a16:creationId xmlns:a16="http://schemas.microsoft.com/office/drawing/2014/main" id="{84FC2D19-3B85-411B-8125-F2862A54134B}"/>
+              </a:ext>
+            </a:extLst>
+          </p:cNvPr>
+          <p:cNvSpPr/>
+          <p:nvPr/>
+        </p:nvSpPr>
+        <p:spPr>
+          <a:xfrm>
+            <a:off x="6851359" y="2175782"/>
+            <a:ext cx="4214574" cy="271085"/>
+          </a:xfrm>
+          <a:prstGeom prst="roundRect">
+            <a:avLst/>
+          </a:prstGeom>
+          <a:noFill/>
+          <a:ln w="38100">
+            <a:solidFill>
+              <a:srgbClr val="FF0000"/>
+            </a:solidFill>
+          </a:ln>
+        </p:spPr>
+        <p:style>
+          <a:lnRef idx="2">
+            <a:schemeClr val="accent1">
+              <a:shade val="50000"/>
+            </a:schemeClr>
+          </a:lnRef>
+          <a:fillRef idx="1">
+            <a:schemeClr val="accent1"/>
+          </a:fillRef>
+          <a:effectRef idx="0">
+            <a:schemeClr val="accent1"/>
+          </a:effectRef>
+          <a:fontRef idx="minor">
+            <a:schemeClr val="lt1"/>
+          </a:fontRef>
+        </p:style>
+        <p:txBody>
+          <a:bodyPr rtlCol="0" anchor="ctr"/>
+          <a:lstStyle/>
+          <a:p>
+            <a:pPr algn="ctr"/>
+            <a:endParaRPr lang="zh-TW" altLang="en-US"/>
+          </a:p>
+        </p:txBody>
+      </p:sp>
+      <p:sp>
+        <p:nvSpPr>
+          <p:cNvPr id="8" name="矩形: 圓角 7">
+            <a:extLst>
+              <a:ext uri="{FF2B5EF4-FFF2-40B4-BE49-F238E27FC236}">
+                <a16:creationId xmlns:a16="http://schemas.microsoft.com/office/drawing/2014/main" id="{8A8349D2-9D27-4621-A8EC-631198586929}"/>
+              </a:ext>
+            </a:extLst>
+          </p:cNvPr>
+          <p:cNvSpPr/>
+          <p:nvPr/>
+        </p:nvSpPr>
+        <p:spPr>
+          <a:xfrm>
+            <a:off x="4479634" y="3562860"/>
+            <a:ext cx="1321091" cy="761490"/>
+          </a:xfrm>
+          <a:prstGeom prst="roundRect">
+            <a:avLst/>
+          </a:prstGeom>
+          <a:noFill/>
+          <a:ln w="38100">
+            <a:solidFill>
+              <a:srgbClr val="FF0000"/>
+            </a:solidFill>
+          </a:ln>
+        </p:spPr>
+        <p:style>
+          <a:lnRef idx="2">
+            <a:schemeClr val="accent1">
+              <a:shade val="50000"/>
+            </a:schemeClr>
+          </a:lnRef>
+          <a:fillRef idx="1">
+            <a:schemeClr val="accent1"/>
+          </a:fillRef>
+          <a:effectRef idx="0">
+            <a:schemeClr val="accent1"/>
+          </a:effectRef>
+          <a:fontRef idx="minor">
+            <a:schemeClr val="lt1"/>
+          </a:fontRef>
+        </p:style>
+        <p:txBody>
+          <a:bodyPr rtlCol="0" anchor="ctr"/>
+          <a:lstStyle/>
+          <a:p>
+            <a:pPr algn="ctr"/>
+            <a:endParaRPr lang="zh-TW" altLang="en-US"/>
+          </a:p>
+        </p:txBody>
+      </p:sp>
+      <p:sp>
+        <p:nvSpPr>
+          <p:cNvPr id="9" name="矩形: 圓角 8">
+            <a:extLst>
+              <a:ext uri="{FF2B5EF4-FFF2-40B4-BE49-F238E27FC236}">
+                <a16:creationId xmlns:a16="http://schemas.microsoft.com/office/drawing/2014/main" id="{34327273-90BD-4E47-B45B-F387DFC22640}"/>
+              </a:ext>
+            </a:extLst>
+          </p:cNvPr>
+          <p:cNvSpPr/>
+          <p:nvPr/>
+        </p:nvSpPr>
+        <p:spPr>
+          <a:xfrm>
+            <a:off x="5717885" y="5363084"/>
+            <a:ext cx="1049924" cy="885203"/>
+          </a:xfrm>
+          <a:prstGeom prst="roundRect">
+            <a:avLst/>
+          </a:prstGeom>
+          <a:noFill/>
+          <a:ln w="38100">
+            <a:solidFill>
+              <a:srgbClr val="FF0000"/>
+            </a:solidFill>
+          </a:ln>
+        </p:spPr>
+        <p:style>
+          <a:lnRef idx="2">
+            <a:schemeClr val="accent1">
+              <a:shade val="50000"/>
+            </a:schemeClr>
+          </a:lnRef>
+          <a:fillRef idx="1">
+            <a:schemeClr val="accent1"/>
+          </a:fillRef>
+          <a:effectRef idx="0">
+            <a:schemeClr val="accent1"/>
+          </a:effectRef>
+          <a:fontRef idx="minor">
+            <a:schemeClr val="lt1"/>
+          </a:fontRef>
+        </p:style>
+        <p:txBody>
+          <a:bodyPr rtlCol="0" anchor="ctr"/>
+          <a:lstStyle/>
+          <a:p>
+            <a:pPr algn="ctr"/>
+            <a:endParaRPr lang="zh-TW" altLang="en-US"/>
+          </a:p>
+        </p:txBody>
+      </p:sp>
+    </p:spTree>
+    <p:extLst>
+      <p:ext uri="{BB962C8B-B14F-4D97-AF65-F5344CB8AC3E}">
+        <p14:creationId xmlns:p14="http://schemas.microsoft.com/office/powerpoint/2010/main" val="3679116663"/>
+      </p:ext>
+    </p:extLst>
+  </p:cSld>
+  <p:clrMapOvr>
+    <a:masterClrMapping/>
+  </p:clrMapOvr>
+</p:sld>
+</file>
+
+<file path=ppt/slides/slide11.xml><?xml version="1.0" encoding="utf-8"?>
 <p:sld xmlns:a="http://schemas.openxmlformats.org/drawingml/2006/main" xmlns:r="http://schemas.openxmlformats.org/officeDocument/2006/relationships" xmlns:p="http://schemas.openxmlformats.org/presentationml/2006/main">
   <p:cSld>
     <p:spTree>
@@ -5594,7 +5928,7 @@
 </p:sld>
 </file>
 
-<file path=ppt/slides/slide11.xml><?xml version="1.0" encoding="utf-8"?>
+<file path=ppt/slides/slide12.xml><?xml version="1.0" encoding="utf-8"?>
 <p:sld xmlns:a="http://schemas.openxmlformats.org/drawingml/2006/main" xmlns:r="http://schemas.openxmlformats.org/officeDocument/2006/relationships" xmlns:p="http://schemas.openxmlformats.org/presentationml/2006/main">
   <p:cSld>
     <p:spTree>
@@ -5709,6 +6043,42 @@
           </a:prstGeom>
         </p:spPr>
       </p:pic>
+      <p:sp>
+        <p:nvSpPr>
+          <p:cNvPr id="5" name="文字方塊 4">
+            <a:extLst>
+              <a:ext uri="{FF2B5EF4-FFF2-40B4-BE49-F238E27FC236}">
+                <a16:creationId xmlns:a16="http://schemas.microsoft.com/office/drawing/2014/main" id="{FD7FA8EB-6277-4DA1-9099-576FE9721E68}"/>
+              </a:ext>
+            </a:extLst>
+          </p:cNvPr>
+          <p:cNvSpPr txBox="1"/>
+          <p:nvPr/>
+        </p:nvSpPr>
+        <p:spPr>
+          <a:xfrm>
+            <a:off x="6954785" y="6176963"/>
+            <a:ext cx="2447511" cy="369332"/>
+          </a:xfrm>
+          <a:prstGeom prst="rect">
+            <a:avLst/>
+          </a:prstGeom>
+          <a:noFill/>
+        </p:spPr>
+        <p:txBody>
+          <a:bodyPr wrap="square" rtlCol="0">
+            <a:spAutoFit/>
+          </a:bodyPr>
+          <a:lstStyle/>
+          <a:p>
+            <a:r>
+              <a:rPr lang="en-US" altLang="zh-TW" b="1" dirty="0"/>
+              <a:t>II=1 has achieved!</a:t>
+            </a:r>
+            <a:endParaRPr lang="zh-TW" altLang="en-US" b="1" dirty="0"/>
+          </a:p>
+        </p:txBody>
+      </p:sp>
     </p:spTree>
     <p:extLst>
       <p:ext uri="{BB962C8B-B14F-4D97-AF65-F5344CB8AC3E}">
@@ -5722,7 +6092,7 @@
 </p:sld>
 </file>
 
-<file path=ppt/slides/slide12.xml><?xml version="1.0" encoding="utf-8"?>
+<file path=ppt/slides/slide13.xml><?xml version="1.0" encoding="utf-8"?>
 <p:sld xmlns:a="http://schemas.openxmlformats.org/drawingml/2006/main" xmlns:r="http://schemas.openxmlformats.org/officeDocument/2006/relationships" xmlns:p="http://schemas.openxmlformats.org/presentationml/2006/main">
   <p:cSld>
     <p:spTree>
@@ -5938,7 +6308,7 @@
 </p:sld>
 </file>
 
-<file path=ppt/slides/slide13.xml><?xml version="1.0" encoding="utf-8"?>
+<file path=ppt/slides/slide14.xml><?xml version="1.0" encoding="utf-8"?>
 <p:sld xmlns:a="http://schemas.openxmlformats.org/drawingml/2006/main" xmlns:r="http://schemas.openxmlformats.org/officeDocument/2006/relationships" xmlns:p="http://schemas.openxmlformats.org/presentationml/2006/main">
   <p:cSld>
     <p:spTree>
@@ -6038,7 +6408,7 @@
         <p:spPr>
           <a:xfrm>
             <a:off x="9269360" y="5189675"/>
-            <a:ext cx="2447511" cy="646331"/>
+            <a:ext cx="2447511" cy="923330"/>
           </a:xfrm>
           <a:prstGeom prst="rect">
             <a:avLst/>
@@ -6054,6 +6424,14 @@
             <a:r>
               <a:rPr lang="en-US" altLang="zh-TW" b="1" dirty="0"/>
               <a:t>The report remains the same.</a:t>
+            </a:r>
+          </a:p>
+          <a:p>
+            <a:r>
+              <a:rPr lang="en-US" altLang="zh-TW" b="1" dirty="0">
+                <a:sym typeface="Wingdings" panose="05000000000000000000" pitchFamily="2" charset="2"/>
+              </a:rPr>
+              <a:t> Loop never stall</a:t>
             </a:r>
             <a:endParaRPr lang="zh-TW" altLang="en-US" b="1" dirty="0"/>
           </a:p>
@@ -6102,7 +6480,7 @@
 </p:sld>
 </file>
 
-<file path=ppt/slides/slide14.xml><?xml version="1.0" encoding="utf-8"?>
+<file path=ppt/slides/slide15.xml><?xml version="1.0" encoding="utf-8"?>
 <p:sld xmlns:a="http://schemas.openxmlformats.org/drawingml/2006/main" xmlns:r="http://schemas.openxmlformats.org/officeDocument/2006/relationships" xmlns:p="http://schemas.openxmlformats.org/presentationml/2006/main">
   <p:cSld>
     <p:spTree>
@@ -6226,7 +6604,7 @@
 </p:sld>
 </file>
 
-<file path=ppt/slides/slide15.xml><?xml version="1.0" encoding="utf-8"?>
+<file path=ppt/slides/slide16.xml><?xml version="1.0" encoding="utf-8"?>
 <p:sld xmlns:a="http://schemas.openxmlformats.org/drawingml/2006/main" xmlns:r="http://schemas.openxmlformats.org/officeDocument/2006/relationships" xmlns:p="http://schemas.openxmlformats.org/presentationml/2006/main">
   <p:cSld>
     <p:spTree>
@@ -6354,7 +6732,7 @@
 </p:sld>
 </file>
 
-<file path=ppt/slides/slide16.xml><?xml version="1.0" encoding="utf-8"?>
+<file path=ppt/slides/slide17.xml><?xml version="1.0" encoding="utf-8"?>
 <p:sld xmlns:a="http://schemas.openxmlformats.org/drawingml/2006/main" xmlns:r="http://schemas.openxmlformats.org/officeDocument/2006/relationships" xmlns:p="http://schemas.openxmlformats.org/presentationml/2006/main">
   <p:cSld>
     <p:spTree>
@@ -6570,7 +6948,7 @@
 </p:sld>
 </file>
 
-<file path=ppt/slides/slide17.xml><?xml version="1.0" encoding="utf-8"?>
+<file path=ppt/slides/slide18.xml><?xml version="1.0" encoding="utf-8"?>
 <p:sld xmlns:a="http://schemas.openxmlformats.org/drawingml/2006/main" xmlns:r="http://schemas.openxmlformats.org/officeDocument/2006/relationships" xmlns:p="http://schemas.openxmlformats.org/presentationml/2006/main">
   <p:cSld>
     <p:spTree>
@@ -6620,42 +6998,6 @@
               <a:t>enable_flush</a:t>
             </a:r>
             <a:endParaRPr lang="zh-TW" altLang="en-US" dirty="0"/>
-          </a:p>
-        </p:txBody>
-      </p:sp>
-      <p:sp>
-        <p:nvSpPr>
-          <p:cNvPr id="6" name="文字方塊 5">
-            <a:extLst>
-              <a:ext uri="{FF2B5EF4-FFF2-40B4-BE49-F238E27FC236}">
-                <a16:creationId xmlns:a16="http://schemas.microsoft.com/office/drawing/2014/main" id="{1848EAC4-671A-4CC8-ABD3-CC147241459C}"/>
-              </a:ext>
-            </a:extLst>
-          </p:cNvPr>
-          <p:cNvSpPr txBox="1"/>
-          <p:nvPr/>
-        </p:nvSpPr>
-        <p:spPr>
-          <a:xfrm>
-            <a:off x="9269360" y="5189675"/>
-            <a:ext cx="2447511" cy="646331"/>
-          </a:xfrm>
-          <a:prstGeom prst="rect">
-            <a:avLst/>
-          </a:prstGeom>
-          <a:noFill/>
-        </p:spPr>
-        <p:txBody>
-          <a:bodyPr wrap="square" rtlCol="0">
-            <a:spAutoFit/>
-          </a:bodyPr>
-          <a:lstStyle/>
-          <a:p>
-            <a:r>
-              <a:rPr lang="en-US" altLang="zh-TW" b="1" dirty="0"/>
-              <a:t>The report remains the same.</a:t>
-            </a:r>
-            <a:endParaRPr lang="zh-TW" altLang="en-US" b="1" dirty="0"/>
           </a:p>
         </p:txBody>
       </p:sp>
@@ -6809,120 +7151,44 @@
           </a:p>
         </p:txBody>
       </p:sp>
+      <p:sp>
+        <p:nvSpPr>
+          <p:cNvPr id="3" name="矩形 2">
+            <a:extLst>
+              <a:ext uri="{FF2B5EF4-FFF2-40B4-BE49-F238E27FC236}">
+                <a16:creationId xmlns:a16="http://schemas.microsoft.com/office/drawing/2014/main" id="{74C092CA-8CF5-4605-90AA-9F28E298ECD3}"/>
+              </a:ext>
+            </a:extLst>
+          </p:cNvPr>
+          <p:cNvSpPr/>
+          <p:nvPr/>
+        </p:nvSpPr>
+        <p:spPr>
+          <a:xfrm>
+            <a:off x="8979563" y="4753655"/>
+            <a:ext cx="2657475" cy="1200329"/>
+          </a:xfrm>
+          <a:prstGeom prst="rect">
+            <a:avLst/>
+          </a:prstGeom>
+        </p:spPr>
+        <p:txBody>
+          <a:bodyPr wrap="square">
+            <a:spAutoFit/>
+          </a:bodyPr>
+          <a:lstStyle/>
+          <a:p>
+            <a:r>
+              <a:rPr lang="zh-TW" altLang="en-US" b="1" dirty="0"/>
+              <a:t>I find that the widow prepared for the previous pixel_out is the current one.</a:t>
+            </a:r>
+          </a:p>
+        </p:txBody>
+      </p:sp>
     </p:spTree>
     <p:extLst>
       <p:ext uri="{BB962C8B-B14F-4D97-AF65-F5344CB8AC3E}">
         <p14:creationId xmlns:p14="http://schemas.microsoft.com/office/powerpoint/2010/main" val="1646208536"/>
-      </p:ext>
-    </p:extLst>
-  </p:cSld>
-  <p:clrMapOvr>
-    <a:masterClrMapping/>
-  </p:clrMapOvr>
-</p:sld>
-</file>
-
-<file path=ppt/slides/slide18.xml><?xml version="1.0" encoding="utf-8"?>
-<p:sld xmlns:a="http://schemas.openxmlformats.org/drawingml/2006/main" xmlns:r="http://schemas.openxmlformats.org/officeDocument/2006/relationships" xmlns:p="http://schemas.openxmlformats.org/presentationml/2006/main">
-  <p:cSld>
-    <p:spTree>
-      <p:nvGrpSpPr>
-        <p:cNvPr id="1" name=""/>
-        <p:cNvGrpSpPr/>
-        <p:nvPr/>
-      </p:nvGrpSpPr>
-      <p:grpSpPr>
-        <a:xfrm>
-          <a:off x="0" y="0"/>
-          <a:ext cx="0" cy="0"/>
-          <a:chOff x="0" y="0"/>
-          <a:chExt cx="0" cy="0"/>
-        </a:xfrm>
-      </p:grpSpPr>
-      <p:sp>
-        <p:nvSpPr>
-          <p:cNvPr id="2" name="標題 1">
-            <a:extLst>
-              <a:ext uri="{FF2B5EF4-FFF2-40B4-BE49-F238E27FC236}">
-                <a16:creationId xmlns:a16="http://schemas.microsoft.com/office/drawing/2014/main" id="{28AB1BAF-BFB8-46FE-A62F-44A352D9D957}"/>
-              </a:ext>
-            </a:extLst>
-          </p:cNvPr>
-          <p:cNvSpPr>
-            <a:spLocks noGrp="1"/>
-          </p:cNvSpPr>
-          <p:nvPr>
-            <p:ph type="title"/>
-          </p:nvPr>
-        </p:nvSpPr>
-        <p:spPr/>
-        <p:txBody>
-          <a:bodyPr>
-            <a:normAutofit/>
-          </a:bodyPr>
-          <a:lstStyle/>
-          <a:p>
-            <a:r>
-              <a:rPr lang="en-US" altLang="zh-TW" dirty="0"/>
-              <a:t>Optimize Design 3_2</a:t>
-            </a:r>
-            <a:br>
-              <a:rPr lang="en-US" altLang="zh-TW" dirty="0"/>
-            </a:br>
-            <a:r>
-              <a:rPr lang="en-US" altLang="zh-TW" dirty="0"/>
-              <a:t>Adjust the Operation Order </a:t>
-            </a:r>
-            <a:endParaRPr lang="zh-TW" altLang="en-US" dirty="0"/>
-          </a:p>
-        </p:txBody>
-      </p:sp>
-      <p:sp>
-        <p:nvSpPr>
-          <p:cNvPr id="4" name="內容版面配置區 3">
-            <a:extLst>
-              <a:ext uri="{FF2B5EF4-FFF2-40B4-BE49-F238E27FC236}">
-                <a16:creationId xmlns:a16="http://schemas.microsoft.com/office/drawing/2014/main" id="{3A50BE17-0E3B-4F09-95A6-98D49A1CD4FB}"/>
-              </a:ext>
-            </a:extLst>
-          </p:cNvPr>
-          <p:cNvSpPr>
-            <a:spLocks noGrp="1"/>
-          </p:cNvSpPr>
-          <p:nvPr>
-            <p:ph idx="1"/>
-          </p:nvPr>
-        </p:nvSpPr>
-        <p:spPr>
-          <a:xfrm>
-            <a:off x="838200" y="1690688"/>
-            <a:ext cx="10515600" cy="4351338"/>
-          </a:xfrm>
-        </p:spPr>
-        <p:txBody>
-          <a:bodyPr/>
-          <a:lstStyle/>
-          <a:p>
-            <a:r>
-              <a:rPr lang="en-US" altLang="zh-TW" dirty="0"/>
-              <a:t>Move the function call of filter() to the beginning of the pipeline body</a:t>
-            </a:r>
-          </a:p>
-          <a:p>
-            <a:r>
-              <a:rPr lang="en-US" altLang="zh-TW" dirty="0">
-                <a:sym typeface="Wingdings" panose="05000000000000000000" pitchFamily="2" charset="2"/>
-              </a:rPr>
-              <a:t> Truly realize avoiding spatial shift</a:t>
-            </a:r>
-            <a:endParaRPr lang="en-US" altLang="zh-TW" dirty="0"/>
-          </a:p>
-        </p:txBody>
-      </p:sp>
-    </p:spTree>
-    <p:extLst>
-      <p:ext uri="{BB962C8B-B14F-4D97-AF65-F5344CB8AC3E}">
-        <p14:creationId xmlns:p14="http://schemas.microsoft.com/office/powerpoint/2010/main" val="3683205385"/>
       </p:ext>
     </p:extLst>
   </p:cSld>
@@ -6954,6 +7220,335 @@
           <p:cNvPr id="2" name="標題 1">
             <a:extLst>
               <a:ext uri="{FF2B5EF4-FFF2-40B4-BE49-F238E27FC236}">
+                <a16:creationId xmlns:a16="http://schemas.microsoft.com/office/drawing/2014/main" id="{28AB1BAF-BFB8-46FE-A62F-44A352D9D957}"/>
+              </a:ext>
+            </a:extLst>
+          </p:cNvPr>
+          <p:cNvSpPr>
+            <a:spLocks noGrp="1"/>
+          </p:cNvSpPr>
+          <p:nvPr>
+            <p:ph type="title"/>
+          </p:nvPr>
+        </p:nvSpPr>
+        <p:spPr/>
+        <p:txBody>
+          <a:bodyPr>
+            <a:normAutofit/>
+          </a:bodyPr>
+          <a:lstStyle/>
+          <a:p>
+            <a:r>
+              <a:rPr lang="en-US" altLang="zh-TW" dirty="0"/>
+              <a:t>Optimize Design 3_2</a:t>
+            </a:r>
+            <a:br>
+              <a:rPr lang="en-US" altLang="zh-TW" dirty="0"/>
+            </a:br>
+            <a:r>
+              <a:rPr lang="en-US" altLang="zh-TW" dirty="0"/>
+              <a:t>Adjust the Operation Order </a:t>
+            </a:r>
+            <a:endParaRPr lang="zh-TW" altLang="en-US" dirty="0"/>
+          </a:p>
+        </p:txBody>
+      </p:sp>
+      <p:sp>
+        <p:nvSpPr>
+          <p:cNvPr id="4" name="內容版面配置區 3">
+            <a:extLst>
+              <a:ext uri="{FF2B5EF4-FFF2-40B4-BE49-F238E27FC236}">
+                <a16:creationId xmlns:a16="http://schemas.microsoft.com/office/drawing/2014/main" id="{3A50BE17-0E3B-4F09-95A6-98D49A1CD4FB}"/>
+              </a:ext>
+            </a:extLst>
+          </p:cNvPr>
+          <p:cNvSpPr>
+            <a:spLocks noGrp="1"/>
+          </p:cNvSpPr>
+          <p:nvPr>
+            <p:ph idx="1"/>
+          </p:nvPr>
+        </p:nvSpPr>
+        <p:spPr>
+          <a:xfrm>
+            <a:off x="838200" y="1690688"/>
+            <a:ext cx="10515600" cy="4351338"/>
+          </a:xfrm>
+        </p:spPr>
+        <p:txBody>
+          <a:bodyPr/>
+          <a:lstStyle/>
+          <a:p>
+            <a:r>
+              <a:rPr lang="en-US" altLang="zh-TW" dirty="0"/>
+              <a:t>Move the function call of filter() to the beginning of the pipeline body</a:t>
+            </a:r>
+          </a:p>
+          <a:p>
+            <a:r>
+              <a:rPr lang="en-US" altLang="zh-TW" dirty="0">
+                <a:sym typeface="Wingdings" panose="05000000000000000000" pitchFamily="2" charset="2"/>
+              </a:rPr>
+              <a:t> Truly realize avoiding spatial shift</a:t>
+            </a:r>
+            <a:endParaRPr lang="en-US" altLang="zh-TW" dirty="0"/>
+          </a:p>
+        </p:txBody>
+      </p:sp>
+    </p:spTree>
+    <p:extLst>
+      <p:ext uri="{BB962C8B-B14F-4D97-AF65-F5344CB8AC3E}">
+        <p14:creationId xmlns:p14="http://schemas.microsoft.com/office/powerpoint/2010/main" val="3683205385"/>
+      </p:ext>
+    </p:extLst>
+  </p:cSld>
+  <p:clrMapOvr>
+    <a:masterClrMapping/>
+  </p:clrMapOvr>
+</p:sld>
+</file>
+
+<file path=ppt/slides/slide2.xml><?xml version="1.0" encoding="utf-8"?>
+<p:sld xmlns:a="http://schemas.openxmlformats.org/drawingml/2006/main" xmlns:r="http://schemas.openxmlformats.org/officeDocument/2006/relationships" xmlns:p="http://schemas.openxmlformats.org/presentationml/2006/main">
+  <p:cSld>
+    <p:spTree>
+      <p:nvGrpSpPr>
+        <p:cNvPr id="1" name=""/>
+        <p:cNvGrpSpPr/>
+        <p:nvPr/>
+      </p:nvGrpSpPr>
+      <p:grpSpPr>
+        <a:xfrm>
+          <a:off x="0" y="0"/>
+          <a:ext cx="0" cy="0"/>
+          <a:chOff x="0" y="0"/>
+          <a:chExt cx="0" cy="0"/>
+        </a:xfrm>
+      </p:grpSpPr>
+      <p:sp>
+        <p:nvSpPr>
+          <p:cNvPr id="2" name="標題 1">
+            <a:extLst>
+              <a:ext uri="{FF2B5EF4-FFF2-40B4-BE49-F238E27FC236}">
+                <a16:creationId xmlns:a16="http://schemas.microsoft.com/office/drawing/2014/main" id="{C00580DA-E05D-4498-8078-2BE4A4FD45C7}"/>
+              </a:ext>
+            </a:extLst>
+          </p:cNvPr>
+          <p:cNvSpPr>
+            <a:spLocks noGrp="1"/>
+          </p:cNvSpPr>
+          <p:nvPr>
+            <p:ph type="title"/>
+          </p:nvPr>
+        </p:nvSpPr>
+        <p:spPr/>
+        <p:txBody>
+          <a:bodyPr/>
+          <a:lstStyle/>
+          <a:p>
+            <a:r>
+              <a:rPr lang="en-US" altLang="zh-TW" dirty="0"/>
+              <a:t>Outline</a:t>
+            </a:r>
+            <a:endParaRPr lang="zh-TW" altLang="en-US" dirty="0"/>
+          </a:p>
+        </p:txBody>
+      </p:sp>
+      <p:sp>
+        <p:nvSpPr>
+          <p:cNvPr id="3" name="內容版面配置區 2">
+            <a:extLst>
+              <a:ext uri="{FF2B5EF4-FFF2-40B4-BE49-F238E27FC236}">
+                <a16:creationId xmlns:a16="http://schemas.microsoft.com/office/drawing/2014/main" id="{7AE023E8-C0E6-4FCA-9EB2-2E3618FF7EEA}"/>
+              </a:ext>
+            </a:extLst>
+          </p:cNvPr>
+          <p:cNvSpPr>
+            <a:spLocks noGrp="1"/>
+          </p:cNvSpPr>
+          <p:nvPr>
+            <p:ph idx="1"/>
+          </p:nvPr>
+        </p:nvSpPr>
+        <p:spPr/>
+        <p:txBody>
+          <a:bodyPr>
+            <a:normAutofit fontScale="92500" lnSpcReduction="20000"/>
+          </a:bodyPr>
+          <a:lstStyle/>
+          <a:p>
+            <a:r>
+              <a:rPr lang="en-US" altLang="zh-TW" dirty="0"/>
+              <a:t>System Intro</a:t>
+            </a:r>
+          </a:p>
+          <a:p>
+            <a:r>
+              <a:rPr lang="en-US" altLang="zh-TW" dirty="0"/>
+              <a:t>Kernel</a:t>
+            </a:r>
+          </a:p>
+          <a:p>
+            <a:pPr lvl="1"/>
+            <a:r>
+              <a:rPr lang="en-US" altLang="zh-TW" dirty="0"/>
+              <a:t>Video_2dfilter</a:t>
+            </a:r>
+          </a:p>
+          <a:p>
+            <a:pPr lvl="2"/>
+            <a:r>
+              <a:rPr lang="en-US" altLang="zh-TW" dirty="0"/>
+              <a:t>Algorithm</a:t>
+            </a:r>
+          </a:p>
+          <a:p>
+            <a:pPr lvl="2"/>
+            <a:r>
+              <a:rPr lang="en-US" altLang="zh-TW" dirty="0"/>
+              <a:t>Optimize</a:t>
+            </a:r>
+          </a:p>
+          <a:p>
+            <a:pPr lvl="1"/>
+            <a:r>
+              <a:rPr lang="en-US" altLang="zh-TW" dirty="0"/>
+              <a:t>Video_2dfilter_linebuffer</a:t>
+            </a:r>
+          </a:p>
+          <a:p>
+            <a:pPr lvl="2"/>
+            <a:r>
+              <a:rPr lang="en-US" altLang="zh-TW" dirty="0"/>
+              <a:t>Algorithm</a:t>
+            </a:r>
+          </a:p>
+          <a:p>
+            <a:pPr lvl="2"/>
+            <a:r>
+              <a:rPr lang="en-US" altLang="zh-TW" dirty="0"/>
+              <a:t>Optimize</a:t>
+            </a:r>
+          </a:p>
+          <a:p>
+            <a:pPr lvl="1"/>
+            <a:r>
+              <a:rPr lang="en-US" altLang="zh-TW" dirty="0"/>
+              <a:t>Video_2dfilter_linebuffer_extended</a:t>
+            </a:r>
+          </a:p>
+          <a:p>
+            <a:pPr lvl="2"/>
+            <a:r>
+              <a:rPr lang="en-US" altLang="zh-TW" dirty="0"/>
+              <a:t>Algorithm</a:t>
+            </a:r>
+          </a:p>
+          <a:p>
+            <a:pPr lvl="2"/>
+            <a:r>
+              <a:rPr lang="en-US" altLang="zh-TW" dirty="0"/>
+              <a:t>Optimize</a:t>
+            </a:r>
+          </a:p>
+          <a:p>
+            <a:pPr lvl="1"/>
+            <a:r>
+              <a:rPr lang="en-US" altLang="zh-TW" dirty="0"/>
+              <a:t>Video_2dfilter_linebuffer_extended_constant</a:t>
+            </a:r>
+          </a:p>
+          <a:p>
+            <a:pPr lvl="2"/>
+            <a:r>
+              <a:rPr lang="en-US" altLang="zh-TW" dirty="0"/>
+              <a:t>Algorithm</a:t>
+            </a:r>
+          </a:p>
+          <a:p>
+            <a:pPr lvl="2"/>
+            <a:r>
+              <a:rPr lang="en-US" altLang="zh-TW" dirty="0"/>
+              <a:t>Optimize</a:t>
+            </a:r>
+          </a:p>
+        </p:txBody>
+      </p:sp>
+      <p:pic>
+        <p:nvPicPr>
+          <p:cNvPr id="4" name="圖片 3">
+            <a:extLst>
+              <a:ext uri="{FF2B5EF4-FFF2-40B4-BE49-F238E27FC236}">
+                <a16:creationId xmlns:a16="http://schemas.microsoft.com/office/drawing/2014/main" id="{348CB679-36AE-4055-AD75-0940A9E7299C}"/>
+              </a:ext>
+            </a:extLst>
+          </p:cNvPr>
+          <p:cNvPicPr>
+            <a:picLocks noChangeAspect="1"/>
+          </p:cNvPicPr>
+          <p:nvPr/>
+        </p:nvPicPr>
+        <p:blipFill>
+          <a:blip r:embed="rId2"/>
+          <a:stretch>
+            <a:fillRect/>
+          </a:stretch>
+        </p:blipFill>
+        <p:spPr>
+          <a:xfrm>
+            <a:off x="7429411" y="1298460"/>
+            <a:ext cx="3448227" cy="4470630"/>
+          </a:xfrm>
+          <a:prstGeom prst="rect">
+            <a:avLst/>
+          </a:prstGeom>
+          <a:ln>
+            <a:noFill/>
+          </a:ln>
+          <a:effectLst>
+            <a:outerShdw blurRad="292100" dist="139700" dir="2700000" algn="tl" rotWithShape="0">
+              <a:srgbClr val="333333">
+                <a:alpha val="65000"/>
+              </a:srgbClr>
+            </a:outerShdw>
+          </a:effectLst>
+        </p:spPr>
+      </p:pic>
+    </p:spTree>
+    <p:extLst>
+      <p:ext uri="{BB962C8B-B14F-4D97-AF65-F5344CB8AC3E}">
+        <p14:creationId xmlns:p14="http://schemas.microsoft.com/office/powerpoint/2010/main" val="2099743969"/>
+      </p:ext>
+    </p:extLst>
+  </p:cSld>
+  <p:clrMapOvr>
+    <a:masterClrMapping/>
+  </p:clrMapOvr>
+</p:sld>
+</file>
+
+<file path=ppt/slides/slide20.xml><?xml version="1.0" encoding="utf-8"?>
+<p:sld xmlns:a="http://schemas.openxmlformats.org/drawingml/2006/main" xmlns:r="http://schemas.openxmlformats.org/officeDocument/2006/relationships" xmlns:p="http://schemas.openxmlformats.org/presentationml/2006/main">
+  <p:cSld>
+    <p:spTree>
+      <p:nvGrpSpPr>
+        <p:cNvPr id="1" name=""/>
+        <p:cNvGrpSpPr/>
+        <p:nvPr/>
+      </p:nvGrpSpPr>
+      <p:grpSpPr>
+        <a:xfrm>
+          <a:off x="0" y="0"/>
+          <a:ext cx="0" cy="0"/>
+          <a:chOff x="0" y="0"/>
+          <a:chExt cx="0" cy="0"/>
+        </a:xfrm>
+      </p:grpSpPr>
+      <p:sp>
+        <p:nvSpPr>
+          <p:cNvPr id="2" name="標題 1">
+            <a:extLst>
+              <a:ext uri="{FF2B5EF4-FFF2-40B4-BE49-F238E27FC236}">
                 <a16:creationId xmlns:a16="http://schemas.microsoft.com/office/drawing/2014/main" id="{8CD78AD5-80AB-4595-8E7B-83375ABE93DD}"/>
               </a:ext>
             </a:extLst>
@@ -7049,6 +7644,93 @@
           </a:prstGeom>
         </p:spPr>
       </p:pic>
+      <p:sp>
+        <p:nvSpPr>
+          <p:cNvPr id="6" name="矩形 5">
+            <a:extLst>
+              <a:ext uri="{FF2B5EF4-FFF2-40B4-BE49-F238E27FC236}">
+                <a16:creationId xmlns:a16="http://schemas.microsoft.com/office/drawing/2014/main" id="{A5AB6719-9735-4C6A-BD39-F3F9A35536E1}"/>
+              </a:ext>
+            </a:extLst>
+          </p:cNvPr>
+          <p:cNvSpPr/>
+          <p:nvPr/>
+        </p:nvSpPr>
+        <p:spPr>
+          <a:xfrm>
+            <a:off x="9446288" y="4143029"/>
+            <a:ext cx="2657475" cy="369332"/>
+          </a:xfrm>
+          <a:prstGeom prst="rect">
+            <a:avLst/>
+          </a:prstGeom>
+        </p:spPr>
+        <p:txBody>
+          <a:bodyPr wrap="square">
+            <a:spAutoFit/>
+          </a:bodyPr>
+          <a:lstStyle/>
+          <a:p>
+            <a:r>
+              <a:rPr lang="en-US" altLang="zh-TW" b="1" dirty="0"/>
+              <a:t>Results are worse</a:t>
+            </a:r>
+            <a:endParaRPr lang="zh-TW" altLang="en-US" b="1" dirty="0"/>
+          </a:p>
+        </p:txBody>
+      </p:sp>
+      <p:sp>
+        <p:nvSpPr>
+          <p:cNvPr id="7" name="矩形: 圓角 6">
+            <a:extLst>
+              <a:ext uri="{FF2B5EF4-FFF2-40B4-BE49-F238E27FC236}">
+                <a16:creationId xmlns:a16="http://schemas.microsoft.com/office/drawing/2014/main" id="{F6B4D624-B30E-4338-8F37-794D441B7895}"/>
+              </a:ext>
+            </a:extLst>
+          </p:cNvPr>
+          <p:cNvSpPr/>
+          <p:nvPr/>
+        </p:nvSpPr>
+        <p:spPr>
+          <a:xfrm>
+            <a:off x="9589420" y="1690688"/>
+            <a:ext cx="1697706" cy="1325562"/>
+          </a:xfrm>
+          <a:prstGeom prst="roundRect">
+            <a:avLst/>
+          </a:prstGeom>
+          <a:noFill/>
+          <a:ln w="38100">
+            <a:solidFill>
+              <a:srgbClr val="FF0000"/>
+            </a:solidFill>
+          </a:ln>
+        </p:spPr>
+        <p:style>
+          <a:lnRef idx="2">
+            <a:schemeClr val="accent1">
+              <a:shade val="50000"/>
+            </a:schemeClr>
+          </a:lnRef>
+          <a:fillRef idx="1">
+            <a:schemeClr val="accent1"/>
+          </a:fillRef>
+          <a:effectRef idx="0">
+            <a:schemeClr val="accent1"/>
+          </a:effectRef>
+          <a:fontRef idx="minor">
+            <a:schemeClr val="lt1"/>
+          </a:fontRef>
+        </p:style>
+        <p:txBody>
+          <a:bodyPr rtlCol="0" anchor="ctr"/>
+          <a:lstStyle/>
+          <a:p>
+            <a:pPr algn="ctr"/>
+            <a:endParaRPr lang="zh-TW" altLang="en-US"/>
+          </a:p>
+        </p:txBody>
+      </p:sp>
     </p:spTree>
     <p:extLst>
       <p:ext uri="{BB962C8B-B14F-4D97-AF65-F5344CB8AC3E}">
@@ -7062,7 +7744,1638 @@
 </p:sld>
 </file>
 
-<file path=ppt/slides/slide2.xml><?xml version="1.0" encoding="utf-8"?>
+<file path=ppt/slides/slide21.xml><?xml version="1.0" encoding="utf-8"?>
+<p:sld xmlns:a="http://schemas.openxmlformats.org/drawingml/2006/main" xmlns:r="http://schemas.openxmlformats.org/officeDocument/2006/relationships" xmlns:p="http://schemas.openxmlformats.org/presentationml/2006/main">
+  <p:cSld>
+    <p:spTree>
+      <p:nvGrpSpPr>
+        <p:cNvPr id="1" name=""/>
+        <p:cNvGrpSpPr/>
+        <p:nvPr/>
+      </p:nvGrpSpPr>
+      <p:grpSpPr>
+        <a:xfrm>
+          <a:off x="0" y="0"/>
+          <a:ext cx="0" cy="0"/>
+          <a:chOff x="0" y="0"/>
+          <a:chExt cx="0" cy="0"/>
+        </a:xfrm>
+      </p:grpSpPr>
+      <p:sp>
+        <p:nvSpPr>
+          <p:cNvPr id="2" name="標題 1">
+            <a:extLst>
+              <a:ext uri="{FF2B5EF4-FFF2-40B4-BE49-F238E27FC236}">
+                <a16:creationId xmlns:a16="http://schemas.microsoft.com/office/drawing/2014/main" id="{605E4725-A6D9-4E1F-9579-50A074FCB3B7}"/>
+              </a:ext>
+            </a:extLst>
+          </p:cNvPr>
+          <p:cNvSpPr>
+            <a:spLocks noGrp="1"/>
+          </p:cNvSpPr>
+          <p:nvPr>
+            <p:ph type="title"/>
+          </p:nvPr>
+        </p:nvSpPr>
+        <p:spPr/>
+        <p:txBody>
+          <a:bodyPr/>
+          <a:lstStyle/>
+          <a:p>
+            <a:r>
+              <a:rPr lang="en-US" altLang="zh-TW" dirty="0"/>
+              <a:t>Optimize Design 3_2</a:t>
+            </a:r>
+            <a:br>
+              <a:rPr lang="en-US" altLang="zh-TW" dirty="0"/>
+            </a:br>
+            <a:r>
+              <a:rPr lang="en-US" altLang="zh-TW" dirty="0"/>
+              <a:t>rewind</a:t>
+            </a:r>
+            <a:endParaRPr lang="zh-TW" altLang="en-US" dirty="0"/>
+          </a:p>
+        </p:txBody>
+      </p:sp>
+      <p:pic>
+        <p:nvPicPr>
+          <p:cNvPr id="5" name="內容版面配置區 4">
+            <a:extLst>
+              <a:ext uri="{FF2B5EF4-FFF2-40B4-BE49-F238E27FC236}">
+                <a16:creationId xmlns:a16="http://schemas.microsoft.com/office/drawing/2014/main" id="{C54E9B3B-8B96-4DC2-8FEC-24C19B8F8CCB}"/>
+              </a:ext>
+            </a:extLst>
+          </p:cNvPr>
+          <p:cNvPicPr>
+            <a:picLocks noGrp="1" noChangeAspect="1"/>
+          </p:cNvPicPr>
+          <p:nvPr>
+            <p:ph idx="1"/>
+          </p:nvPr>
+        </p:nvPicPr>
+        <p:blipFill>
+          <a:blip r:embed="rId2"/>
+          <a:stretch>
+            <a:fillRect/>
+          </a:stretch>
+        </p:blipFill>
+        <p:spPr>
+          <a:xfrm>
+            <a:off x="838200" y="1854200"/>
+            <a:ext cx="7929228" cy="4351338"/>
+          </a:xfrm>
+          <a:prstGeom prst="rect">
+            <a:avLst/>
+          </a:prstGeom>
+        </p:spPr>
+      </p:pic>
+      <p:pic>
+        <p:nvPicPr>
+          <p:cNvPr id="6" name="圖片 5">
+            <a:extLst>
+              <a:ext uri="{FF2B5EF4-FFF2-40B4-BE49-F238E27FC236}">
+                <a16:creationId xmlns:a16="http://schemas.microsoft.com/office/drawing/2014/main" id="{F77CC999-EFB9-4E38-B193-F714772B9C0F}"/>
+              </a:ext>
+            </a:extLst>
+          </p:cNvPr>
+          <p:cNvPicPr>
+            <a:picLocks noChangeAspect="1"/>
+          </p:cNvPicPr>
+          <p:nvPr/>
+        </p:nvPicPr>
+        <p:blipFill>
+          <a:blip r:embed="rId3"/>
+          <a:stretch>
+            <a:fillRect/>
+          </a:stretch>
+        </p:blipFill>
+        <p:spPr>
+          <a:xfrm>
+            <a:off x="6647072" y="193589"/>
+            <a:ext cx="5239019" cy="3321221"/>
+          </a:xfrm>
+          <a:prstGeom prst="rect">
+            <a:avLst/>
+          </a:prstGeom>
+        </p:spPr>
+      </p:pic>
+      <p:sp>
+        <p:nvSpPr>
+          <p:cNvPr id="7" name="文字方塊 6">
+            <a:extLst>
+              <a:ext uri="{FF2B5EF4-FFF2-40B4-BE49-F238E27FC236}">
+                <a16:creationId xmlns:a16="http://schemas.microsoft.com/office/drawing/2014/main" id="{A44996BF-894E-4A56-B669-2760D5ED2FB3}"/>
+              </a:ext>
+            </a:extLst>
+          </p:cNvPr>
+          <p:cNvSpPr txBox="1"/>
+          <p:nvPr/>
+        </p:nvSpPr>
+        <p:spPr>
+          <a:xfrm>
+            <a:off x="3528409" y="1633252"/>
+            <a:ext cx="2876551" cy="646331"/>
+          </a:xfrm>
+          <a:prstGeom prst="rect">
+            <a:avLst/>
+          </a:prstGeom>
+          <a:noFill/>
+        </p:spPr>
+        <p:txBody>
+          <a:bodyPr wrap="square" rtlCol="0">
+            <a:spAutoFit/>
+          </a:bodyPr>
+          <a:lstStyle/>
+          <a:p>
+            <a:r>
+              <a:rPr lang="en-US" altLang="zh-TW" b="1" dirty="0"/>
+              <a:t>Timing violation occurs! 9.947 + 2.70 = 12.647 &gt; 10ns</a:t>
+            </a:r>
+            <a:endParaRPr lang="zh-TW" altLang="en-US" b="1" dirty="0"/>
+          </a:p>
+        </p:txBody>
+      </p:sp>
+      <p:sp>
+        <p:nvSpPr>
+          <p:cNvPr id="8" name="矩形: 圓角 7">
+            <a:extLst>
+              <a:ext uri="{FF2B5EF4-FFF2-40B4-BE49-F238E27FC236}">
+                <a16:creationId xmlns:a16="http://schemas.microsoft.com/office/drawing/2014/main" id="{B591902E-E2E7-4ED5-8244-471FB29FE0B8}"/>
+              </a:ext>
+            </a:extLst>
+          </p:cNvPr>
+          <p:cNvSpPr/>
+          <p:nvPr/>
+        </p:nvSpPr>
+        <p:spPr>
+          <a:xfrm>
+            <a:off x="2796048" y="2466976"/>
+            <a:ext cx="2052177" cy="819150"/>
+          </a:xfrm>
+          <a:prstGeom prst="roundRect">
+            <a:avLst/>
+          </a:prstGeom>
+          <a:noFill/>
+          <a:ln w="38100">
+            <a:solidFill>
+              <a:srgbClr val="FF0000"/>
+            </a:solidFill>
+          </a:ln>
+        </p:spPr>
+        <p:style>
+          <a:lnRef idx="2">
+            <a:schemeClr val="accent1">
+              <a:shade val="50000"/>
+            </a:schemeClr>
+          </a:lnRef>
+          <a:fillRef idx="1">
+            <a:schemeClr val="accent1"/>
+          </a:fillRef>
+          <a:effectRef idx="0">
+            <a:schemeClr val="accent1"/>
+          </a:effectRef>
+          <a:fontRef idx="minor">
+            <a:schemeClr val="lt1"/>
+          </a:fontRef>
+        </p:style>
+        <p:txBody>
+          <a:bodyPr rtlCol="0" anchor="ctr"/>
+          <a:lstStyle/>
+          <a:p>
+            <a:pPr algn="ctr"/>
+            <a:endParaRPr lang="zh-TW" altLang="en-US"/>
+          </a:p>
+        </p:txBody>
+      </p:sp>
+    </p:spTree>
+    <p:extLst>
+      <p:ext uri="{BB962C8B-B14F-4D97-AF65-F5344CB8AC3E}">
+        <p14:creationId xmlns:p14="http://schemas.microsoft.com/office/powerpoint/2010/main" val="85366805"/>
+      </p:ext>
+    </p:extLst>
+  </p:cSld>
+  <p:clrMapOvr>
+    <a:masterClrMapping/>
+  </p:clrMapOvr>
+</p:sld>
+</file>
+
+<file path=ppt/slides/slide22.xml><?xml version="1.0" encoding="utf-8"?>
+<p:sld xmlns:a="http://schemas.openxmlformats.org/drawingml/2006/main" xmlns:r="http://schemas.openxmlformats.org/officeDocument/2006/relationships" xmlns:p="http://schemas.openxmlformats.org/presentationml/2006/main">
+  <p:cSld>
+    <p:spTree>
+      <p:nvGrpSpPr>
+        <p:cNvPr id="1" name=""/>
+        <p:cNvGrpSpPr/>
+        <p:nvPr/>
+      </p:nvGrpSpPr>
+      <p:grpSpPr>
+        <a:xfrm>
+          <a:off x="0" y="0"/>
+          <a:ext cx="0" cy="0"/>
+          <a:chOff x="0" y="0"/>
+          <a:chExt cx="0" cy="0"/>
+        </a:xfrm>
+      </p:grpSpPr>
+      <p:sp>
+        <p:nvSpPr>
+          <p:cNvPr id="2" name="標題 1">
+            <a:extLst>
+              <a:ext uri="{FF2B5EF4-FFF2-40B4-BE49-F238E27FC236}">
+                <a16:creationId xmlns:a16="http://schemas.microsoft.com/office/drawing/2014/main" id="{605E4725-A6D9-4E1F-9579-50A074FCB3B7}"/>
+              </a:ext>
+            </a:extLst>
+          </p:cNvPr>
+          <p:cNvSpPr>
+            <a:spLocks noGrp="1"/>
+          </p:cNvSpPr>
+          <p:nvPr>
+            <p:ph type="title"/>
+          </p:nvPr>
+        </p:nvSpPr>
+        <p:spPr/>
+        <p:txBody>
+          <a:bodyPr/>
+          <a:lstStyle/>
+          <a:p>
+            <a:r>
+              <a:rPr lang="en-US" altLang="zh-TW" dirty="0"/>
+              <a:t>Optimize Design 3_2</a:t>
+            </a:r>
+            <a:br>
+              <a:rPr lang="en-US" altLang="zh-TW" dirty="0"/>
+            </a:br>
+            <a:r>
+              <a:rPr lang="en-US" altLang="zh-TW" dirty="0" err="1"/>
+              <a:t>enable_flush</a:t>
+            </a:r>
+            <a:endParaRPr lang="zh-TW" altLang="en-US" dirty="0"/>
+          </a:p>
+        </p:txBody>
+      </p:sp>
+      <p:pic>
+        <p:nvPicPr>
+          <p:cNvPr id="5" name="內容版面配置區 4">
+            <a:extLst>
+              <a:ext uri="{FF2B5EF4-FFF2-40B4-BE49-F238E27FC236}">
+                <a16:creationId xmlns:a16="http://schemas.microsoft.com/office/drawing/2014/main" id="{CC491885-0E71-4D03-9BAB-9F847090CBFE}"/>
+              </a:ext>
+            </a:extLst>
+          </p:cNvPr>
+          <p:cNvPicPr>
+            <a:picLocks noGrp="1" noChangeAspect="1"/>
+          </p:cNvPicPr>
+          <p:nvPr>
+            <p:ph idx="1"/>
+          </p:nvPr>
+        </p:nvPicPr>
+        <p:blipFill>
+          <a:blip r:embed="rId2"/>
+          <a:stretch>
+            <a:fillRect/>
+          </a:stretch>
+        </p:blipFill>
+        <p:spPr>
+          <a:xfrm>
+            <a:off x="697705" y="1825625"/>
+            <a:ext cx="7953998" cy="4351338"/>
+          </a:xfrm>
+          <a:prstGeom prst="rect">
+            <a:avLst/>
+          </a:prstGeom>
+        </p:spPr>
+      </p:pic>
+      <p:pic>
+        <p:nvPicPr>
+          <p:cNvPr id="7" name="圖片 6">
+            <a:extLst>
+              <a:ext uri="{FF2B5EF4-FFF2-40B4-BE49-F238E27FC236}">
+                <a16:creationId xmlns:a16="http://schemas.microsoft.com/office/drawing/2014/main" id="{49CC0351-7EA4-46A0-9C61-9EED0BF2F114}"/>
+              </a:ext>
+            </a:extLst>
+          </p:cNvPr>
+          <p:cNvPicPr>
+            <a:picLocks noChangeAspect="1"/>
+          </p:cNvPicPr>
+          <p:nvPr/>
+        </p:nvPicPr>
+        <p:blipFill>
+          <a:blip r:embed="rId3"/>
+          <a:stretch>
+            <a:fillRect/>
+          </a:stretch>
+        </p:blipFill>
+        <p:spPr>
+          <a:xfrm>
+            <a:off x="6300030" y="158664"/>
+            <a:ext cx="5277121" cy="3333921"/>
+          </a:xfrm>
+          <a:prstGeom prst="rect">
+            <a:avLst/>
+          </a:prstGeom>
+        </p:spPr>
+      </p:pic>
+      <p:sp>
+        <p:nvSpPr>
+          <p:cNvPr id="6" name="文字方塊 5">
+            <a:extLst>
+              <a:ext uri="{FF2B5EF4-FFF2-40B4-BE49-F238E27FC236}">
+                <a16:creationId xmlns:a16="http://schemas.microsoft.com/office/drawing/2014/main" id="{3EC34E25-7A34-4887-AD67-568E98764614}"/>
+              </a:ext>
+            </a:extLst>
+          </p:cNvPr>
+          <p:cNvSpPr txBox="1"/>
+          <p:nvPr/>
+        </p:nvSpPr>
+        <p:spPr>
+          <a:xfrm>
+            <a:off x="3459163" y="1573983"/>
+            <a:ext cx="2876551" cy="646331"/>
+          </a:xfrm>
+          <a:prstGeom prst="rect">
+            <a:avLst/>
+          </a:prstGeom>
+          <a:noFill/>
+        </p:spPr>
+        <p:txBody>
+          <a:bodyPr wrap="square" rtlCol="0">
+            <a:spAutoFit/>
+          </a:bodyPr>
+          <a:lstStyle/>
+          <a:p>
+            <a:r>
+              <a:rPr lang="en-US" altLang="zh-TW" b="1" dirty="0"/>
+              <a:t>Timing violation occurs! 9.947 + 2.70 = 12.647 &gt; 10ns</a:t>
+            </a:r>
+            <a:endParaRPr lang="zh-TW" altLang="en-US" b="1" dirty="0"/>
+          </a:p>
+        </p:txBody>
+      </p:sp>
+      <p:sp>
+        <p:nvSpPr>
+          <p:cNvPr id="8" name="矩形: 圓角 7">
+            <a:extLst>
+              <a:ext uri="{FF2B5EF4-FFF2-40B4-BE49-F238E27FC236}">
+                <a16:creationId xmlns:a16="http://schemas.microsoft.com/office/drawing/2014/main" id="{2715E109-5474-4C2A-B00F-171C8279427A}"/>
+              </a:ext>
+            </a:extLst>
+          </p:cNvPr>
+          <p:cNvSpPr/>
+          <p:nvPr/>
+        </p:nvSpPr>
+        <p:spPr>
+          <a:xfrm>
+            <a:off x="2828925" y="2562226"/>
+            <a:ext cx="1931529" cy="646331"/>
+          </a:xfrm>
+          <a:prstGeom prst="roundRect">
+            <a:avLst/>
+          </a:prstGeom>
+          <a:noFill/>
+          <a:ln w="38100">
+            <a:solidFill>
+              <a:srgbClr val="FF0000"/>
+            </a:solidFill>
+          </a:ln>
+        </p:spPr>
+        <p:style>
+          <a:lnRef idx="2">
+            <a:schemeClr val="accent1">
+              <a:shade val="50000"/>
+            </a:schemeClr>
+          </a:lnRef>
+          <a:fillRef idx="1">
+            <a:schemeClr val="accent1"/>
+          </a:fillRef>
+          <a:effectRef idx="0">
+            <a:schemeClr val="accent1"/>
+          </a:effectRef>
+          <a:fontRef idx="minor">
+            <a:schemeClr val="lt1"/>
+          </a:fontRef>
+        </p:style>
+        <p:txBody>
+          <a:bodyPr rtlCol="0" anchor="ctr"/>
+          <a:lstStyle/>
+          <a:p>
+            <a:pPr algn="ctr"/>
+            <a:endParaRPr lang="zh-TW" altLang="en-US"/>
+          </a:p>
+        </p:txBody>
+      </p:sp>
+      <p:sp>
+        <p:nvSpPr>
+          <p:cNvPr id="9" name="矩形 8">
+            <a:extLst>
+              <a:ext uri="{FF2B5EF4-FFF2-40B4-BE49-F238E27FC236}">
+                <a16:creationId xmlns:a16="http://schemas.microsoft.com/office/drawing/2014/main" id="{EF4469B2-89F9-4411-BCF9-684585C058BB}"/>
+              </a:ext>
+            </a:extLst>
+          </p:cNvPr>
+          <p:cNvSpPr/>
+          <p:nvPr/>
+        </p:nvSpPr>
+        <p:spPr>
+          <a:xfrm>
+            <a:off x="8696325" y="3699046"/>
+            <a:ext cx="2657475" cy="2862322"/>
+          </a:xfrm>
+          <a:prstGeom prst="rect">
+            <a:avLst/>
+          </a:prstGeom>
+        </p:spPr>
+        <p:txBody>
+          <a:bodyPr wrap="square">
+            <a:spAutoFit/>
+          </a:bodyPr>
+          <a:lstStyle/>
+          <a:p>
+            <a:r>
+              <a:rPr lang="en-US" altLang="zh-TW" b="1" dirty="0"/>
+              <a:t>Results are worse:</a:t>
+            </a:r>
+          </a:p>
+          <a:p>
+            <a:r>
+              <a:rPr lang="en-US" altLang="zh-TW" b="1" dirty="0"/>
+              <a:t>For hardware implementing the if-statement, it needs to prepared all the results and stores the final results according to the if-condition.</a:t>
+            </a:r>
+          </a:p>
+          <a:p>
+            <a:r>
+              <a:rPr lang="en-US" altLang="zh-TW" b="1" dirty="0">
+                <a:sym typeface="Wingdings" panose="05000000000000000000" pitchFamily="2" charset="2"/>
+              </a:rPr>
+              <a:t> Suspending memory access causes trouble</a:t>
+            </a:r>
+            <a:endParaRPr lang="zh-TW" altLang="en-US" b="1" dirty="0"/>
+          </a:p>
+        </p:txBody>
+      </p:sp>
+    </p:spTree>
+    <p:extLst>
+      <p:ext uri="{BB962C8B-B14F-4D97-AF65-F5344CB8AC3E}">
+        <p14:creationId xmlns:p14="http://schemas.microsoft.com/office/powerpoint/2010/main" val="1057117473"/>
+      </p:ext>
+    </p:extLst>
+  </p:cSld>
+  <p:clrMapOvr>
+    <a:masterClrMapping/>
+  </p:clrMapOvr>
+</p:sld>
+</file>
+
+<file path=ppt/slides/slide23.xml><?xml version="1.0" encoding="utf-8"?>
+<p:sld xmlns:a="http://schemas.openxmlformats.org/drawingml/2006/main" xmlns:r="http://schemas.openxmlformats.org/officeDocument/2006/relationships" xmlns:p="http://schemas.openxmlformats.org/presentationml/2006/main">
+  <p:cSld>
+    <p:spTree>
+      <p:nvGrpSpPr>
+        <p:cNvPr id="1" name=""/>
+        <p:cNvGrpSpPr/>
+        <p:nvPr/>
+      </p:nvGrpSpPr>
+      <p:grpSpPr>
+        <a:xfrm>
+          <a:off x="0" y="0"/>
+          <a:ext cx="0" cy="0"/>
+          <a:chOff x="0" y="0"/>
+          <a:chExt cx="0" cy="0"/>
+        </a:xfrm>
+      </p:grpSpPr>
+      <p:sp>
+        <p:nvSpPr>
+          <p:cNvPr id="2" name="標題 1">
+            <a:extLst>
+              <a:ext uri="{FF2B5EF4-FFF2-40B4-BE49-F238E27FC236}">
+                <a16:creationId xmlns:a16="http://schemas.microsoft.com/office/drawing/2014/main" id="{28AB1BAF-BFB8-46FE-A62F-44A352D9D957}"/>
+              </a:ext>
+            </a:extLst>
+          </p:cNvPr>
+          <p:cNvSpPr>
+            <a:spLocks noGrp="1"/>
+          </p:cNvSpPr>
+          <p:nvPr>
+            <p:ph type="title"/>
+          </p:nvPr>
+        </p:nvSpPr>
+        <p:spPr/>
+        <p:txBody>
+          <a:bodyPr/>
+          <a:lstStyle/>
+          <a:p>
+            <a:r>
+              <a:rPr lang="en-US" altLang="zh-TW" dirty="0"/>
+              <a:t>Optimize Design 4</a:t>
+            </a:r>
+            <a:br>
+              <a:rPr lang="en-US" altLang="zh-TW" dirty="0"/>
+            </a:br>
+            <a:r>
+              <a:rPr lang="en-US" altLang="zh-TW" dirty="0"/>
+              <a:t>Handle Boundary Condition</a:t>
+            </a:r>
+            <a:endParaRPr lang="zh-TW" altLang="en-US" dirty="0"/>
+          </a:p>
+        </p:txBody>
+      </p:sp>
+      <p:sp>
+        <p:nvSpPr>
+          <p:cNvPr id="4" name="內容版面配置區 3">
+            <a:extLst>
+              <a:ext uri="{FF2B5EF4-FFF2-40B4-BE49-F238E27FC236}">
+                <a16:creationId xmlns:a16="http://schemas.microsoft.com/office/drawing/2014/main" id="{3A50BE17-0E3B-4F09-95A6-98D49A1CD4FB}"/>
+              </a:ext>
+            </a:extLst>
+          </p:cNvPr>
+          <p:cNvSpPr>
+            <a:spLocks noGrp="1"/>
+          </p:cNvSpPr>
+          <p:nvPr>
+            <p:ph idx="1"/>
+          </p:nvPr>
+        </p:nvSpPr>
+        <p:spPr/>
+        <p:txBody>
+          <a:bodyPr/>
+          <a:lstStyle/>
+          <a:p>
+            <a:r>
+              <a:rPr lang="en-US" altLang="zh-TW" dirty="0"/>
+              <a:t>Avoid the window access beyond boundary</a:t>
+            </a:r>
+          </a:p>
+          <a:p>
+            <a:r>
+              <a:rPr lang="en-US" altLang="zh-TW" dirty="0"/>
+              <a:t>Re-access the pixel on the boundary when window will access those beyond boundary pixels.</a:t>
+            </a:r>
+          </a:p>
+          <a:p>
+            <a:r>
+              <a:rPr lang="en-US" altLang="zh-TW" dirty="0"/>
+              <a:t>Handling the boundary condition causes the hardware more complex and time consuming.</a:t>
+            </a:r>
+          </a:p>
+        </p:txBody>
+      </p:sp>
+    </p:spTree>
+    <p:extLst>
+      <p:ext uri="{BB962C8B-B14F-4D97-AF65-F5344CB8AC3E}">
+        <p14:creationId xmlns:p14="http://schemas.microsoft.com/office/powerpoint/2010/main" val="256598485"/>
+      </p:ext>
+    </p:extLst>
+  </p:cSld>
+  <p:clrMapOvr>
+    <a:masterClrMapping/>
+  </p:clrMapOvr>
+</p:sld>
+</file>
+
+<file path=ppt/slides/slide24.xml><?xml version="1.0" encoding="utf-8"?>
+<p:sld xmlns:a="http://schemas.openxmlformats.org/drawingml/2006/main" xmlns:r="http://schemas.openxmlformats.org/officeDocument/2006/relationships" xmlns:p="http://schemas.openxmlformats.org/presentationml/2006/main">
+  <p:cSld>
+    <p:spTree>
+      <p:nvGrpSpPr>
+        <p:cNvPr id="1" name=""/>
+        <p:cNvGrpSpPr/>
+        <p:nvPr/>
+      </p:nvGrpSpPr>
+      <p:grpSpPr>
+        <a:xfrm>
+          <a:off x="0" y="0"/>
+          <a:ext cx="0" cy="0"/>
+          <a:chOff x="0" y="0"/>
+          <a:chExt cx="0" cy="0"/>
+        </a:xfrm>
+      </p:grpSpPr>
+      <p:sp>
+        <p:nvSpPr>
+          <p:cNvPr id="2" name="標題 1">
+            <a:extLst>
+              <a:ext uri="{FF2B5EF4-FFF2-40B4-BE49-F238E27FC236}">
+                <a16:creationId xmlns:a16="http://schemas.microsoft.com/office/drawing/2014/main" id="{E8C4ED45-9AAD-41CD-9807-94EF94E2408D}"/>
+              </a:ext>
+            </a:extLst>
+          </p:cNvPr>
+          <p:cNvSpPr>
+            <a:spLocks noGrp="1"/>
+          </p:cNvSpPr>
+          <p:nvPr>
+            <p:ph type="title"/>
+          </p:nvPr>
+        </p:nvSpPr>
+        <p:spPr/>
+        <p:txBody>
+          <a:bodyPr/>
+          <a:lstStyle/>
+          <a:p>
+            <a:r>
+              <a:rPr lang="en-US" altLang="zh-TW" dirty="0"/>
+              <a:t>Optimize Design 4</a:t>
+            </a:r>
+            <a:br>
+              <a:rPr lang="en-US" altLang="zh-TW" dirty="0"/>
+            </a:br>
+            <a:r>
+              <a:rPr lang="en-US" altLang="zh-TW" dirty="0"/>
+              <a:t>Timing/ Utilization</a:t>
+            </a:r>
+            <a:endParaRPr lang="zh-TW" altLang="en-US" dirty="0"/>
+          </a:p>
+        </p:txBody>
+      </p:sp>
+      <p:pic>
+        <p:nvPicPr>
+          <p:cNvPr id="7" name="內容版面配置區 6">
+            <a:extLst>
+              <a:ext uri="{FF2B5EF4-FFF2-40B4-BE49-F238E27FC236}">
+                <a16:creationId xmlns:a16="http://schemas.microsoft.com/office/drawing/2014/main" id="{E6D85EBF-4111-483D-BDA6-657F02B7487A}"/>
+              </a:ext>
+            </a:extLst>
+          </p:cNvPr>
+          <p:cNvPicPr>
+            <a:picLocks noGrp="1" noChangeAspect="1"/>
+          </p:cNvPicPr>
+          <p:nvPr>
+            <p:ph idx="1"/>
+          </p:nvPr>
+        </p:nvPicPr>
+        <p:blipFill>
+          <a:blip r:embed="rId2"/>
+          <a:stretch>
+            <a:fillRect/>
+          </a:stretch>
+        </p:blipFill>
+        <p:spPr>
+          <a:xfrm>
+            <a:off x="2172572" y="1825625"/>
+            <a:ext cx="7846856" cy="4351338"/>
+          </a:xfrm>
+          <a:prstGeom prst="rect">
+            <a:avLst/>
+          </a:prstGeom>
+        </p:spPr>
+      </p:pic>
+      <p:pic>
+        <p:nvPicPr>
+          <p:cNvPr id="8" name="圖片 7">
+            <a:extLst>
+              <a:ext uri="{FF2B5EF4-FFF2-40B4-BE49-F238E27FC236}">
+                <a16:creationId xmlns:a16="http://schemas.microsoft.com/office/drawing/2014/main" id="{756EA318-2EC8-4DEB-9D49-22799F869A92}"/>
+              </a:ext>
+            </a:extLst>
+          </p:cNvPr>
+          <p:cNvPicPr>
+            <a:picLocks noChangeAspect="1"/>
+          </p:cNvPicPr>
+          <p:nvPr/>
+        </p:nvPicPr>
+        <p:blipFill>
+          <a:blip r:embed="rId3"/>
+          <a:stretch>
+            <a:fillRect/>
+          </a:stretch>
+        </p:blipFill>
+        <p:spPr>
+          <a:xfrm>
+            <a:off x="6255857" y="145963"/>
+            <a:ext cx="5226319" cy="3359323"/>
+          </a:xfrm>
+          <a:prstGeom prst="rect">
+            <a:avLst/>
+          </a:prstGeom>
+        </p:spPr>
+      </p:pic>
+      <p:sp>
+        <p:nvSpPr>
+          <p:cNvPr id="5" name="文字方塊 4">
+            <a:extLst>
+              <a:ext uri="{FF2B5EF4-FFF2-40B4-BE49-F238E27FC236}">
+                <a16:creationId xmlns:a16="http://schemas.microsoft.com/office/drawing/2014/main" id="{3ED862BE-0599-453C-A81A-F3388AE76C09}"/>
+              </a:ext>
+            </a:extLst>
+          </p:cNvPr>
+          <p:cNvSpPr txBox="1"/>
+          <p:nvPr/>
+        </p:nvSpPr>
+        <p:spPr>
+          <a:xfrm>
+            <a:off x="8360026" y="3640223"/>
+            <a:ext cx="2876551" cy="1754326"/>
+          </a:xfrm>
+          <a:prstGeom prst="rect">
+            <a:avLst/>
+          </a:prstGeom>
+          <a:noFill/>
+        </p:spPr>
+        <p:txBody>
+          <a:bodyPr wrap="square" rtlCol="0">
+            <a:spAutoFit/>
+          </a:bodyPr>
+          <a:lstStyle/>
+          <a:p>
+            <a:r>
+              <a:rPr lang="en-US" altLang="zh-TW" b="1" dirty="0"/>
+              <a:t>Estimated time is larger than before:</a:t>
+            </a:r>
+          </a:p>
+          <a:p>
+            <a:r>
+              <a:rPr lang="en-US" altLang="zh-TW" b="1" dirty="0"/>
+              <a:t>the address of pixel on the boundary will be re-accessed for window in different iteration</a:t>
+            </a:r>
+            <a:endParaRPr lang="zh-TW" altLang="en-US" b="1" dirty="0"/>
+          </a:p>
+        </p:txBody>
+      </p:sp>
+      <p:sp>
+        <p:nvSpPr>
+          <p:cNvPr id="6" name="矩形: 圓角 5">
+            <a:extLst>
+              <a:ext uri="{FF2B5EF4-FFF2-40B4-BE49-F238E27FC236}">
+                <a16:creationId xmlns:a16="http://schemas.microsoft.com/office/drawing/2014/main" id="{874A5F27-DF08-4F1B-B1E5-D60D0C2A4D44}"/>
+              </a:ext>
+            </a:extLst>
+          </p:cNvPr>
+          <p:cNvSpPr/>
+          <p:nvPr/>
+        </p:nvSpPr>
+        <p:spPr>
+          <a:xfrm>
+            <a:off x="4203680" y="2447926"/>
+            <a:ext cx="2052177" cy="819150"/>
+          </a:xfrm>
+          <a:prstGeom prst="roundRect">
+            <a:avLst/>
+          </a:prstGeom>
+          <a:noFill/>
+          <a:ln w="38100">
+            <a:solidFill>
+              <a:srgbClr val="FF0000"/>
+            </a:solidFill>
+          </a:ln>
+        </p:spPr>
+        <p:style>
+          <a:lnRef idx="2">
+            <a:schemeClr val="accent1">
+              <a:shade val="50000"/>
+            </a:schemeClr>
+          </a:lnRef>
+          <a:fillRef idx="1">
+            <a:schemeClr val="accent1"/>
+          </a:fillRef>
+          <a:effectRef idx="0">
+            <a:schemeClr val="accent1"/>
+          </a:effectRef>
+          <a:fontRef idx="minor">
+            <a:schemeClr val="lt1"/>
+          </a:fontRef>
+        </p:style>
+        <p:txBody>
+          <a:bodyPr rtlCol="0" anchor="ctr"/>
+          <a:lstStyle/>
+          <a:p>
+            <a:pPr algn="ctr"/>
+            <a:endParaRPr lang="zh-TW" altLang="en-US"/>
+          </a:p>
+        </p:txBody>
+      </p:sp>
+    </p:spTree>
+    <p:extLst>
+      <p:ext uri="{BB962C8B-B14F-4D97-AF65-F5344CB8AC3E}">
+        <p14:creationId xmlns:p14="http://schemas.microsoft.com/office/powerpoint/2010/main" val="4263986576"/>
+      </p:ext>
+    </p:extLst>
+  </p:cSld>
+  <p:clrMapOvr>
+    <a:masterClrMapping/>
+  </p:clrMapOvr>
+</p:sld>
+</file>
+
+<file path=ppt/slides/slide25.xml><?xml version="1.0" encoding="utf-8"?>
+<p:sld xmlns:a="http://schemas.openxmlformats.org/drawingml/2006/main" xmlns:r="http://schemas.openxmlformats.org/officeDocument/2006/relationships" xmlns:p="http://schemas.openxmlformats.org/presentationml/2006/main">
+  <p:cSld>
+    <p:spTree>
+      <p:nvGrpSpPr>
+        <p:cNvPr id="1" name=""/>
+        <p:cNvGrpSpPr/>
+        <p:nvPr/>
+      </p:nvGrpSpPr>
+      <p:grpSpPr>
+        <a:xfrm>
+          <a:off x="0" y="0"/>
+          <a:ext cx="0" cy="0"/>
+          <a:chOff x="0" y="0"/>
+          <a:chExt cx="0" cy="0"/>
+        </a:xfrm>
+      </p:grpSpPr>
+      <p:sp>
+        <p:nvSpPr>
+          <p:cNvPr id="2" name="標題 1">
+            <a:extLst>
+              <a:ext uri="{FF2B5EF4-FFF2-40B4-BE49-F238E27FC236}">
+                <a16:creationId xmlns:a16="http://schemas.microsoft.com/office/drawing/2014/main" id="{605E4725-A6D9-4E1F-9579-50A074FCB3B7}"/>
+              </a:ext>
+            </a:extLst>
+          </p:cNvPr>
+          <p:cNvSpPr>
+            <a:spLocks noGrp="1"/>
+          </p:cNvSpPr>
+          <p:nvPr>
+            <p:ph type="title"/>
+          </p:nvPr>
+        </p:nvSpPr>
+        <p:spPr/>
+        <p:txBody>
+          <a:bodyPr/>
+          <a:lstStyle/>
+          <a:p>
+            <a:r>
+              <a:rPr lang="en-US" altLang="zh-TW" dirty="0"/>
+              <a:t>Optimize Design 4</a:t>
+            </a:r>
+            <a:br>
+              <a:rPr lang="en-US" altLang="zh-TW" dirty="0"/>
+            </a:br>
+            <a:r>
+              <a:rPr lang="en-US" altLang="zh-TW" dirty="0"/>
+              <a:t>rewind</a:t>
+            </a:r>
+            <a:endParaRPr lang="zh-TW" altLang="en-US" dirty="0"/>
+          </a:p>
+        </p:txBody>
+      </p:sp>
+      <p:pic>
+        <p:nvPicPr>
+          <p:cNvPr id="7" name="內容版面配置區 6">
+            <a:extLst>
+              <a:ext uri="{FF2B5EF4-FFF2-40B4-BE49-F238E27FC236}">
+                <a16:creationId xmlns:a16="http://schemas.microsoft.com/office/drawing/2014/main" id="{E6D6EE4D-12CE-4BC0-985E-5704F91D6475}"/>
+              </a:ext>
+            </a:extLst>
+          </p:cNvPr>
+          <p:cNvPicPr>
+            <a:picLocks noGrp="1" noChangeAspect="1"/>
+          </p:cNvPicPr>
+          <p:nvPr>
+            <p:ph idx="1"/>
+          </p:nvPr>
+        </p:nvPicPr>
+        <p:blipFill>
+          <a:blip r:embed="rId2"/>
+          <a:stretch>
+            <a:fillRect/>
+          </a:stretch>
+        </p:blipFill>
+        <p:spPr>
+          <a:xfrm>
+            <a:off x="2145590" y="1825625"/>
+            <a:ext cx="7900819" cy="4351338"/>
+          </a:xfrm>
+          <a:prstGeom prst="rect">
+            <a:avLst/>
+          </a:prstGeom>
+        </p:spPr>
+      </p:pic>
+      <p:pic>
+        <p:nvPicPr>
+          <p:cNvPr id="8" name="圖片 7">
+            <a:extLst>
+              <a:ext uri="{FF2B5EF4-FFF2-40B4-BE49-F238E27FC236}">
+                <a16:creationId xmlns:a16="http://schemas.microsoft.com/office/drawing/2014/main" id="{55C53E81-5D15-46CD-8F97-505E34CCA3FD}"/>
+              </a:ext>
+            </a:extLst>
+          </p:cNvPr>
+          <p:cNvPicPr>
+            <a:picLocks noChangeAspect="1"/>
+          </p:cNvPicPr>
+          <p:nvPr/>
+        </p:nvPicPr>
+        <p:blipFill>
+          <a:blip r:embed="rId3"/>
+          <a:stretch>
+            <a:fillRect/>
+          </a:stretch>
+        </p:blipFill>
+        <p:spPr>
+          <a:xfrm>
+            <a:off x="6275042" y="184065"/>
+            <a:ext cx="5346975" cy="3283119"/>
+          </a:xfrm>
+          <a:prstGeom prst="rect">
+            <a:avLst/>
+          </a:prstGeom>
+        </p:spPr>
+      </p:pic>
+      <p:sp>
+        <p:nvSpPr>
+          <p:cNvPr id="5" name="文字方塊 4">
+            <a:extLst>
+              <a:ext uri="{FF2B5EF4-FFF2-40B4-BE49-F238E27FC236}">
+                <a16:creationId xmlns:a16="http://schemas.microsoft.com/office/drawing/2014/main" id="{7801DB32-87C6-46D7-8E22-0AAB2A597BC7}"/>
+              </a:ext>
+            </a:extLst>
+          </p:cNvPr>
+          <p:cNvSpPr txBox="1"/>
+          <p:nvPr/>
+        </p:nvSpPr>
+        <p:spPr>
+          <a:xfrm>
+            <a:off x="4139073" y="1666658"/>
+            <a:ext cx="2876551" cy="646331"/>
+          </a:xfrm>
+          <a:prstGeom prst="rect">
+            <a:avLst/>
+          </a:prstGeom>
+          <a:noFill/>
+        </p:spPr>
+        <p:txBody>
+          <a:bodyPr wrap="square" rtlCol="0">
+            <a:spAutoFit/>
+          </a:bodyPr>
+          <a:lstStyle/>
+          <a:p>
+            <a:r>
+              <a:rPr lang="en-US" altLang="zh-TW" b="1" dirty="0"/>
+              <a:t>Timing violation occurs! 9.947 + 2.70 = 12.647 &gt; 10ns</a:t>
+            </a:r>
+            <a:endParaRPr lang="zh-TW" altLang="en-US" b="1" dirty="0"/>
+          </a:p>
+        </p:txBody>
+      </p:sp>
+      <p:sp>
+        <p:nvSpPr>
+          <p:cNvPr id="6" name="矩形: 圓角 5">
+            <a:extLst>
+              <a:ext uri="{FF2B5EF4-FFF2-40B4-BE49-F238E27FC236}">
+                <a16:creationId xmlns:a16="http://schemas.microsoft.com/office/drawing/2014/main" id="{FE8F46D9-42FB-4147-895B-80EC7237CCB2}"/>
+              </a:ext>
+            </a:extLst>
+          </p:cNvPr>
+          <p:cNvSpPr/>
+          <p:nvPr/>
+        </p:nvSpPr>
+        <p:spPr>
+          <a:xfrm>
+            <a:off x="4139073" y="2447926"/>
+            <a:ext cx="2052177" cy="819150"/>
+          </a:xfrm>
+          <a:prstGeom prst="roundRect">
+            <a:avLst/>
+          </a:prstGeom>
+          <a:noFill/>
+          <a:ln w="38100">
+            <a:solidFill>
+              <a:srgbClr val="FF0000"/>
+            </a:solidFill>
+          </a:ln>
+        </p:spPr>
+        <p:style>
+          <a:lnRef idx="2">
+            <a:schemeClr val="accent1">
+              <a:shade val="50000"/>
+            </a:schemeClr>
+          </a:lnRef>
+          <a:fillRef idx="1">
+            <a:schemeClr val="accent1"/>
+          </a:fillRef>
+          <a:effectRef idx="0">
+            <a:schemeClr val="accent1"/>
+          </a:effectRef>
+          <a:fontRef idx="minor">
+            <a:schemeClr val="lt1"/>
+          </a:fontRef>
+        </p:style>
+        <p:txBody>
+          <a:bodyPr rtlCol="0" anchor="ctr"/>
+          <a:lstStyle/>
+          <a:p>
+            <a:pPr algn="ctr"/>
+            <a:endParaRPr lang="zh-TW" altLang="en-US"/>
+          </a:p>
+        </p:txBody>
+      </p:sp>
+    </p:spTree>
+    <p:extLst>
+      <p:ext uri="{BB962C8B-B14F-4D97-AF65-F5344CB8AC3E}">
+        <p14:creationId xmlns:p14="http://schemas.microsoft.com/office/powerpoint/2010/main" val="4168234455"/>
+      </p:ext>
+    </p:extLst>
+  </p:cSld>
+  <p:clrMapOvr>
+    <a:masterClrMapping/>
+  </p:clrMapOvr>
+</p:sld>
+</file>
+
+<file path=ppt/slides/slide26.xml><?xml version="1.0" encoding="utf-8"?>
+<p:sld xmlns:a="http://schemas.openxmlformats.org/drawingml/2006/main" xmlns:r="http://schemas.openxmlformats.org/officeDocument/2006/relationships" xmlns:p="http://schemas.openxmlformats.org/presentationml/2006/main">
+  <p:cSld>
+    <p:spTree>
+      <p:nvGrpSpPr>
+        <p:cNvPr id="1" name=""/>
+        <p:cNvGrpSpPr/>
+        <p:nvPr/>
+      </p:nvGrpSpPr>
+      <p:grpSpPr>
+        <a:xfrm>
+          <a:off x="0" y="0"/>
+          <a:ext cx="0" cy="0"/>
+          <a:chOff x="0" y="0"/>
+          <a:chExt cx="0" cy="0"/>
+        </a:xfrm>
+      </p:grpSpPr>
+      <p:sp>
+        <p:nvSpPr>
+          <p:cNvPr id="2" name="標題 1">
+            <a:extLst>
+              <a:ext uri="{FF2B5EF4-FFF2-40B4-BE49-F238E27FC236}">
+                <a16:creationId xmlns:a16="http://schemas.microsoft.com/office/drawing/2014/main" id="{605E4725-A6D9-4E1F-9579-50A074FCB3B7}"/>
+              </a:ext>
+            </a:extLst>
+          </p:cNvPr>
+          <p:cNvSpPr>
+            <a:spLocks noGrp="1"/>
+          </p:cNvSpPr>
+          <p:nvPr>
+            <p:ph type="title"/>
+          </p:nvPr>
+        </p:nvSpPr>
+        <p:spPr/>
+        <p:txBody>
+          <a:bodyPr/>
+          <a:lstStyle/>
+          <a:p>
+            <a:r>
+              <a:rPr lang="en-US" altLang="zh-TW" dirty="0"/>
+              <a:t>Optimize Design 4</a:t>
+            </a:r>
+            <a:br>
+              <a:rPr lang="en-US" altLang="zh-TW" dirty="0"/>
+            </a:br>
+            <a:r>
+              <a:rPr lang="en-US" altLang="zh-TW" dirty="0" err="1"/>
+              <a:t>enable_flush</a:t>
+            </a:r>
+            <a:endParaRPr lang="zh-TW" altLang="en-US" dirty="0"/>
+          </a:p>
+        </p:txBody>
+      </p:sp>
+      <p:pic>
+        <p:nvPicPr>
+          <p:cNvPr id="6" name="內容版面配置區 5">
+            <a:extLst>
+              <a:ext uri="{FF2B5EF4-FFF2-40B4-BE49-F238E27FC236}">
+                <a16:creationId xmlns:a16="http://schemas.microsoft.com/office/drawing/2014/main" id="{21614BAB-9BEE-49E8-ADC7-57CAFADD8F78}"/>
+              </a:ext>
+            </a:extLst>
+          </p:cNvPr>
+          <p:cNvPicPr>
+            <a:picLocks noGrp="1" noChangeAspect="1"/>
+          </p:cNvPicPr>
+          <p:nvPr>
+            <p:ph idx="1"/>
+          </p:nvPr>
+        </p:nvPicPr>
+        <p:blipFill>
+          <a:blip r:embed="rId2"/>
+          <a:stretch>
+            <a:fillRect/>
+          </a:stretch>
+        </p:blipFill>
+        <p:spPr>
+          <a:xfrm>
+            <a:off x="2154330" y="1825625"/>
+            <a:ext cx="7883339" cy="4351338"/>
+          </a:xfrm>
+          <a:prstGeom prst="rect">
+            <a:avLst/>
+          </a:prstGeom>
+        </p:spPr>
+      </p:pic>
+      <p:pic>
+        <p:nvPicPr>
+          <p:cNvPr id="8" name="圖片 7">
+            <a:extLst>
+              <a:ext uri="{FF2B5EF4-FFF2-40B4-BE49-F238E27FC236}">
+                <a16:creationId xmlns:a16="http://schemas.microsoft.com/office/drawing/2014/main" id="{95710523-87A8-4A59-8124-BD47EC3FF64F}"/>
+              </a:ext>
+            </a:extLst>
+          </p:cNvPr>
+          <p:cNvPicPr>
+            <a:picLocks noChangeAspect="1"/>
+          </p:cNvPicPr>
+          <p:nvPr/>
+        </p:nvPicPr>
+        <p:blipFill>
+          <a:blip r:embed="rId3"/>
+          <a:stretch>
+            <a:fillRect/>
+          </a:stretch>
+        </p:blipFill>
+        <p:spPr>
+          <a:xfrm>
+            <a:off x="6280566" y="152314"/>
+            <a:ext cx="5296172" cy="3346622"/>
+          </a:xfrm>
+          <a:prstGeom prst="rect">
+            <a:avLst/>
+          </a:prstGeom>
+        </p:spPr>
+      </p:pic>
+      <p:sp>
+        <p:nvSpPr>
+          <p:cNvPr id="5" name="文字方塊 4">
+            <a:extLst>
+              <a:ext uri="{FF2B5EF4-FFF2-40B4-BE49-F238E27FC236}">
+                <a16:creationId xmlns:a16="http://schemas.microsoft.com/office/drawing/2014/main" id="{A3514666-4133-4FB7-86C5-66D526638EB0}"/>
+              </a:ext>
+            </a:extLst>
+          </p:cNvPr>
+          <p:cNvSpPr txBox="1"/>
+          <p:nvPr/>
+        </p:nvSpPr>
+        <p:spPr>
+          <a:xfrm>
+            <a:off x="4228389" y="1625315"/>
+            <a:ext cx="2876551" cy="646331"/>
+          </a:xfrm>
+          <a:prstGeom prst="rect">
+            <a:avLst/>
+          </a:prstGeom>
+          <a:noFill/>
+        </p:spPr>
+        <p:txBody>
+          <a:bodyPr wrap="square" rtlCol="0">
+            <a:spAutoFit/>
+          </a:bodyPr>
+          <a:lstStyle/>
+          <a:p>
+            <a:r>
+              <a:rPr lang="en-US" altLang="zh-TW" b="1" dirty="0"/>
+              <a:t>Timing violation occurs! 9.947 + 2.70 = 12.647 &gt; 10ns</a:t>
+            </a:r>
+            <a:endParaRPr lang="zh-TW" altLang="en-US" b="1" dirty="0"/>
+          </a:p>
+        </p:txBody>
+      </p:sp>
+      <p:sp>
+        <p:nvSpPr>
+          <p:cNvPr id="7" name="矩形: 圓角 6">
+            <a:extLst>
+              <a:ext uri="{FF2B5EF4-FFF2-40B4-BE49-F238E27FC236}">
+                <a16:creationId xmlns:a16="http://schemas.microsoft.com/office/drawing/2014/main" id="{E653997B-D0D6-4DAC-8E4F-EB8304019685}"/>
+              </a:ext>
+            </a:extLst>
+          </p:cNvPr>
+          <p:cNvSpPr/>
+          <p:nvPr/>
+        </p:nvSpPr>
+        <p:spPr>
+          <a:xfrm>
+            <a:off x="4228389" y="2447926"/>
+            <a:ext cx="2052177" cy="819150"/>
+          </a:xfrm>
+          <a:prstGeom prst="roundRect">
+            <a:avLst/>
+          </a:prstGeom>
+          <a:noFill/>
+          <a:ln w="38100">
+            <a:solidFill>
+              <a:srgbClr val="FF0000"/>
+            </a:solidFill>
+          </a:ln>
+        </p:spPr>
+        <p:style>
+          <a:lnRef idx="2">
+            <a:schemeClr val="accent1">
+              <a:shade val="50000"/>
+            </a:schemeClr>
+          </a:lnRef>
+          <a:fillRef idx="1">
+            <a:schemeClr val="accent1"/>
+          </a:fillRef>
+          <a:effectRef idx="0">
+            <a:schemeClr val="accent1"/>
+          </a:effectRef>
+          <a:fontRef idx="minor">
+            <a:schemeClr val="lt1"/>
+          </a:fontRef>
+        </p:style>
+        <p:txBody>
+          <a:bodyPr rtlCol="0" anchor="ctr"/>
+          <a:lstStyle/>
+          <a:p>
+            <a:pPr algn="ctr"/>
+            <a:endParaRPr lang="zh-TW" altLang="en-US"/>
+          </a:p>
+        </p:txBody>
+      </p:sp>
+    </p:spTree>
+    <p:extLst>
+      <p:ext uri="{BB962C8B-B14F-4D97-AF65-F5344CB8AC3E}">
+        <p14:creationId xmlns:p14="http://schemas.microsoft.com/office/powerpoint/2010/main" val="3614066654"/>
+      </p:ext>
+    </p:extLst>
+  </p:cSld>
+  <p:clrMapOvr>
+    <a:masterClrMapping/>
+  </p:clrMapOvr>
+</p:sld>
+</file>
+
+<file path=ppt/slides/slide27.xml><?xml version="1.0" encoding="utf-8"?>
+<p:sld xmlns:a="http://schemas.openxmlformats.org/drawingml/2006/main" xmlns:r="http://schemas.openxmlformats.org/officeDocument/2006/relationships" xmlns:p="http://schemas.openxmlformats.org/presentationml/2006/main">
+  <p:cSld>
+    <p:spTree>
+      <p:nvGrpSpPr>
+        <p:cNvPr id="1" name=""/>
+        <p:cNvGrpSpPr/>
+        <p:nvPr/>
+      </p:nvGrpSpPr>
+      <p:grpSpPr>
+        <a:xfrm>
+          <a:off x="0" y="0"/>
+          <a:ext cx="0" cy="0"/>
+          <a:chOff x="0" y="0"/>
+          <a:chExt cx="0" cy="0"/>
+        </a:xfrm>
+      </p:grpSpPr>
+      <p:sp>
+        <p:nvSpPr>
+          <p:cNvPr id="2" name="標題 1">
+            <a:extLst>
+              <a:ext uri="{FF2B5EF4-FFF2-40B4-BE49-F238E27FC236}">
+                <a16:creationId xmlns:a16="http://schemas.microsoft.com/office/drawing/2014/main" id="{915437AE-4101-4067-85F5-1EAC6BF4BA88}"/>
+              </a:ext>
+            </a:extLst>
+          </p:cNvPr>
+          <p:cNvSpPr>
+            <a:spLocks noGrp="1"/>
+          </p:cNvSpPr>
+          <p:nvPr>
+            <p:ph type="title"/>
+          </p:nvPr>
+        </p:nvSpPr>
+        <p:spPr/>
+        <p:txBody>
+          <a:bodyPr/>
+          <a:lstStyle/>
+          <a:p>
+            <a:r>
+              <a:rPr lang="en-US" altLang="zh-TW" dirty="0"/>
+              <a:t>Observation and Learning</a:t>
+            </a:r>
+            <a:endParaRPr lang="zh-TW" altLang="en-US" dirty="0"/>
+          </a:p>
+        </p:txBody>
+      </p:sp>
+      <p:sp>
+        <p:nvSpPr>
+          <p:cNvPr id="3" name="內容版面配置區 2">
+            <a:extLst>
+              <a:ext uri="{FF2B5EF4-FFF2-40B4-BE49-F238E27FC236}">
+                <a16:creationId xmlns:a16="http://schemas.microsoft.com/office/drawing/2014/main" id="{A91E81D8-EC78-407C-8E22-A826F356CAEC}"/>
+              </a:ext>
+            </a:extLst>
+          </p:cNvPr>
+          <p:cNvSpPr>
+            <a:spLocks noGrp="1"/>
+          </p:cNvSpPr>
+          <p:nvPr>
+            <p:ph idx="1"/>
+          </p:nvPr>
+        </p:nvSpPr>
+        <p:spPr/>
+        <p:txBody>
+          <a:bodyPr>
+            <a:normAutofit fontScale="85000" lnSpcReduction="20000"/>
+          </a:bodyPr>
+          <a:lstStyle/>
+          <a:p>
+            <a:pPr marL="514350" indent="-514350">
+              <a:buFont typeface="+mj-lt"/>
+              <a:buAutoNum type="arabicPeriod"/>
+            </a:pPr>
+            <a:r>
+              <a:rPr lang="en-US" altLang="zh-TW" dirty="0"/>
+              <a:t>We cannot achieve II = 1 when we access  3$\times$3 pixels from </a:t>
+            </a:r>
+            <a:r>
+              <a:rPr lang="en-US" altLang="zh-TW" dirty="0" err="1"/>
+              <a:t>pixel_in</a:t>
+            </a:r>
+            <a:r>
+              <a:rPr lang="en-US" altLang="zh-TW" dirty="0"/>
+              <a:t> for each time we call filter.</a:t>
+            </a:r>
+          </a:p>
+          <a:p>
+            <a:pPr marL="514350" indent="-514350">
+              <a:buFont typeface="+mj-lt"/>
+              <a:buAutoNum type="arabicPeriod"/>
+            </a:pPr>
+            <a:r>
+              <a:rPr lang="en-US" altLang="zh-TW" dirty="0"/>
+              <a:t>We can achieve II = 1 when we access only one pixel from </a:t>
+            </a:r>
+            <a:r>
+              <a:rPr lang="en-US" altLang="zh-TW" dirty="0" err="1"/>
+              <a:t>pixel_in</a:t>
+            </a:r>
+            <a:r>
+              <a:rPr lang="en-US" altLang="zh-TW" dirty="0"/>
+              <a:t> for each time we call filter.</a:t>
+            </a:r>
+          </a:p>
+          <a:p>
+            <a:pPr marL="514350" indent="-514350">
+              <a:buFont typeface="+mj-lt"/>
+              <a:buAutoNum type="arabicPeriod"/>
+            </a:pPr>
+            <a:r>
+              <a:rPr lang="en-US" altLang="zh-TW" dirty="0"/>
+              <a:t>rewind will help to decrease the latency that main function prepares to access the next input.</a:t>
+            </a:r>
+          </a:p>
+          <a:p>
+            <a:pPr marL="514350" indent="-514350">
+              <a:buFont typeface="+mj-lt"/>
+              <a:buAutoNum type="arabicPeriod"/>
+            </a:pPr>
+            <a:r>
+              <a:rPr lang="en-US" altLang="zh-TW" dirty="0" err="1"/>
+              <a:t>enable_flush</a:t>
+            </a:r>
+            <a:r>
+              <a:rPr lang="en-US" altLang="zh-TW" dirty="0"/>
+              <a:t> will not help to decrease the loop latency in some cases.</a:t>
+            </a:r>
+          </a:p>
+          <a:p>
+            <a:pPr marL="514350" indent="-514350">
+              <a:buFont typeface="+mj-lt"/>
+              <a:buAutoNum type="arabicPeriod"/>
+            </a:pPr>
+            <a:r>
+              <a:rPr lang="en-US" altLang="zh-TW" dirty="0"/>
+              <a:t>When flush the pipeline, the pipeline will shut down all the successive stage until the final input has been processed.</a:t>
+            </a:r>
+          </a:p>
+          <a:p>
+            <a:pPr marL="457200" lvl="1" indent="0">
+              <a:buNone/>
+            </a:pPr>
+            <a:r>
+              <a:rPr lang="en-US" altLang="zh-TW" dirty="0">
+                <a:sym typeface="Wingdings" panose="05000000000000000000" pitchFamily="2" charset="2"/>
+              </a:rPr>
+              <a:t> </a:t>
+            </a:r>
+            <a:r>
+              <a:rPr lang="en-US" altLang="zh-TW" dirty="0"/>
+              <a:t>If the time of pipeline stalling is shorter than or equals to that of completing all the older inputs and resume pipeline, </a:t>
+            </a:r>
+            <a:r>
+              <a:rPr lang="en-US" altLang="zh-TW" dirty="0" err="1"/>
+              <a:t>enable_flush</a:t>
+            </a:r>
+            <a:r>
+              <a:rPr lang="en-US" altLang="zh-TW" dirty="0"/>
+              <a:t> is not a good choice.</a:t>
+            </a:r>
+          </a:p>
+          <a:p>
+            <a:pPr marL="514350" indent="-514350">
+              <a:buFont typeface="+mj-lt"/>
+              <a:buAutoNum type="arabicPeriod"/>
+            </a:pPr>
+            <a:r>
+              <a:rPr lang="en-US" altLang="zh-TW" dirty="0"/>
+              <a:t>When the if-statement containing memory access, rewind and </a:t>
+            </a:r>
+            <a:r>
+              <a:rPr lang="en-US" altLang="zh-TW" dirty="0" err="1"/>
+              <a:t>enable_flush</a:t>
+            </a:r>
+            <a:r>
+              <a:rPr lang="en-US" altLang="zh-TW" dirty="0"/>
+              <a:t> are useless. They will cause timing violation.</a:t>
+            </a:r>
+            <a:endParaRPr lang="zh-TW" altLang="en-US" dirty="0"/>
+          </a:p>
+        </p:txBody>
+      </p:sp>
+    </p:spTree>
+    <p:extLst>
+      <p:ext uri="{BB962C8B-B14F-4D97-AF65-F5344CB8AC3E}">
+        <p14:creationId xmlns:p14="http://schemas.microsoft.com/office/powerpoint/2010/main" val="2840338236"/>
+      </p:ext>
+    </p:extLst>
+  </p:cSld>
+  <p:clrMapOvr>
+    <a:masterClrMapping/>
+  </p:clrMapOvr>
+</p:sld>
+</file>
+
+<file path=ppt/slides/slide28.xml><?xml version="1.0" encoding="utf-8"?>
+<p:sld xmlns:a="http://schemas.openxmlformats.org/drawingml/2006/main" xmlns:r="http://schemas.openxmlformats.org/officeDocument/2006/relationships" xmlns:p="http://schemas.openxmlformats.org/presentationml/2006/main">
+  <p:cSld>
+    <p:spTree>
+      <p:nvGrpSpPr>
+        <p:cNvPr id="1" name=""/>
+        <p:cNvGrpSpPr/>
+        <p:nvPr/>
+      </p:nvGrpSpPr>
+      <p:grpSpPr>
+        <a:xfrm>
+          <a:off x="0" y="0"/>
+          <a:ext cx="0" cy="0"/>
+          <a:chOff x="0" y="0"/>
+          <a:chExt cx="0" cy="0"/>
+        </a:xfrm>
+      </p:grpSpPr>
+      <p:sp>
+        <p:nvSpPr>
+          <p:cNvPr id="2" name="標題 1">
+            <a:extLst>
+              <a:ext uri="{FF2B5EF4-FFF2-40B4-BE49-F238E27FC236}">
+                <a16:creationId xmlns:a16="http://schemas.microsoft.com/office/drawing/2014/main" id="{C3C18F15-A3E9-4E78-A19D-7D53F75C13E8}"/>
+              </a:ext>
+            </a:extLst>
+          </p:cNvPr>
+          <p:cNvSpPr>
+            <a:spLocks noGrp="1"/>
+          </p:cNvSpPr>
+          <p:nvPr>
+            <p:ph type="title"/>
+          </p:nvPr>
+        </p:nvSpPr>
+        <p:spPr/>
+        <p:txBody>
+          <a:bodyPr/>
+          <a:lstStyle/>
+          <a:p>
+            <a:r>
+              <a:rPr lang="en-US" altLang="zh-TW" dirty="0"/>
+              <a:t>Problem</a:t>
+            </a:r>
+            <a:endParaRPr lang="zh-TW" altLang="en-US" dirty="0"/>
+          </a:p>
+        </p:txBody>
+      </p:sp>
+      <p:sp>
+        <p:nvSpPr>
+          <p:cNvPr id="3" name="內容版面配置區 2">
+            <a:extLst>
+              <a:ext uri="{FF2B5EF4-FFF2-40B4-BE49-F238E27FC236}">
+                <a16:creationId xmlns:a16="http://schemas.microsoft.com/office/drawing/2014/main" id="{36D36E6F-612D-420A-8500-17FBB1726D11}"/>
+              </a:ext>
+            </a:extLst>
+          </p:cNvPr>
+          <p:cNvSpPr>
+            <a:spLocks noGrp="1"/>
+          </p:cNvSpPr>
+          <p:nvPr>
+            <p:ph idx="1"/>
+          </p:nvPr>
+        </p:nvSpPr>
+        <p:spPr/>
+        <p:txBody>
+          <a:bodyPr>
+            <a:normAutofit lnSpcReduction="10000"/>
+          </a:bodyPr>
+          <a:lstStyle/>
+          <a:p>
+            <a:r>
+              <a:rPr lang="en-US" altLang="zh-TW" dirty="0"/>
+              <a:t>I had no background knowledge about video processing. I spent lots of time to understand the must-known knowledge about video.</a:t>
+            </a:r>
+          </a:p>
+          <a:p>
+            <a:endParaRPr lang="en-US" altLang="zh-TW" dirty="0"/>
+          </a:p>
+          <a:p>
+            <a:r>
+              <a:rPr lang="en-US" altLang="zh-TW" dirty="0"/>
+              <a:t>When I did this lab, I quickly find that I did not "fully" understand the pipeline rewind and flush. I looked up for those information that I am not quite familiar with.</a:t>
+            </a:r>
+          </a:p>
+          <a:p>
+            <a:endParaRPr lang="en-US" altLang="zh-TW" dirty="0"/>
+          </a:p>
+          <a:p>
+            <a:r>
+              <a:rPr lang="en-US" altLang="zh-TW" dirty="0"/>
+              <a:t>Additionally, I utilized my understanding about memory access to analyze the timing violation about the 3rd and 4th algorithm, which I really spent lots of time to analyze.</a:t>
+            </a:r>
+            <a:endParaRPr lang="zh-TW" altLang="en-US" dirty="0"/>
+          </a:p>
+        </p:txBody>
+      </p:sp>
+    </p:spTree>
+    <p:extLst>
+      <p:ext uri="{BB962C8B-B14F-4D97-AF65-F5344CB8AC3E}">
+        <p14:creationId xmlns:p14="http://schemas.microsoft.com/office/powerpoint/2010/main" val="1354678249"/>
+      </p:ext>
+    </p:extLst>
+  </p:cSld>
+  <p:clrMapOvr>
+    <a:masterClrMapping/>
+  </p:clrMapOvr>
+</p:sld>
+</file>
+
+<file path=ppt/slides/slide29.xml><?xml version="1.0" encoding="utf-8"?>
+<p:sld xmlns:a="http://schemas.openxmlformats.org/drawingml/2006/main" xmlns:r="http://schemas.openxmlformats.org/officeDocument/2006/relationships" xmlns:p="http://schemas.openxmlformats.org/presentationml/2006/main">
+  <p:cSld>
+    <p:spTree>
+      <p:nvGrpSpPr>
+        <p:cNvPr id="1" name=""/>
+        <p:cNvGrpSpPr/>
+        <p:nvPr/>
+      </p:nvGrpSpPr>
+      <p:grpSpPr>
+        <a:xfrm>
+          <a:off x="0" y="0"/>
+          <a:ext cx="0" cy="0"/>
+          <a:chOff x="0" y="0"/>
+          <a:chExt cx="0" cy="0"/>
+        </a:xfrm>
+      </p:grpSpPr>
+      <p:sp>
+        <p:nvSpPr>
+          <p:cNvPr id="2" name="標題 1">
+            <a:extLst>
+              <a:ext uri="{FF2B5EF4-FFF2-40B4-BE49-F238E27FC236}">
+                <a16:creationId xmlns:a16="http://schemas.microsoft.com/office/drawing/2014/main" id="{55FAD102-6EC4-4FAC-A91F-84282F8E1459}"/>
+              </a:ext>
+            </a:extLst>
+          </p:cNvPr>
+          <p:cNvSpPr>
+            <a:spLocks noGrp="1"/>
+          </p:cNvSpPr>
+          <p:nvPr>
+            <p:ph type="title"/>
+          </p:nvPr>
+        </p:nvSpPr>
+        <p:spPr/>
+        <p:txBody>
+          <a:bodyPr/>
+          <a:lstStyle/>
+          <a:p>
+            <a:r>
+              <a:rPr lang="en-US" altLang="zh-TW" dirty="0"/>
+              <a:t>Question</a:t>
+            </a:r>
+            <a:endParaRPr lang="zh-TW" altLang="en-US" dirty="0"/>
+          </a:p>
+        </p:txBody>
+      </p:sp>
+      <p:sp>
+        <p:nvSpPr>
+          <p:cNvPr id="3" name="內容版面配置區 2">
+            <a:extLst>
+              <a:ext uri="{FF2B5EF4-FFF2-40B4-BE49-F238E27FC236}">
+                <a16:creationId xmlns:a16="http://schemas.microsoft.com/office/drawing/2014/main" id="{0C33DBD1-B3A8-4319-BDBC-2FAC0CEF5672}"/>
+              </a:ext>
+            </a:extLst>
+          </p:cNvPr>
+          <p:cNvSpPr>
+            <a:spLocks noGrp="1"/>
+          </p:cNvSpPr>
+          <p:nvPr>
+            <p:ph type="body" idx="1"/>
+          </p:nvPr>
+        </p:nvSpPr>
+        <p:spPr/>
+        <p:txBody>
+          <a:bodyPr/>
+          <a:lstStyle/>
+          <a:p>
+            <a:r>
+              <a:rPr lang="en-US" altLang="zh-TW" dirty="0"/>
+              <a:t>What’s the main problem in video process?</a:t>
+            </a:r>
+          </a:p>
+        </p:txBody>
+      </p:sp>
+    </p:spTree>
+    <p:extLst>
+      <p:ext uri="{BB962C8B-B14F-4D97-AF65-F5344CB8AC3E}">
+        <p14:creationId xmlns:p14="http://schemas.microsoft.com/office/powerpoint/2010/main" val="3659269829"/>
+      </p:ext>
+    </p:extLst>
+  </p:cSld>
+  <p:clrMapOvr>
+    <a:masterClrMapping/>
+  </p:clrMapOvr>
+</p:sld>
+</file>
+
+<file path=ppt/slides/slide3.xml><?xml version="1.0" encoding="utf-8"?>
 <p:sld xmlns:a="http://schemas.openxmlformats.org/drawingml/2006/main" xmlns:r="http://schemas.openxmlformats.org/officeDocument/2006/relationships" xmlns:p="http://schemas.openxmlformats.org/presentationml/2006/main">
   <p:cSld>
     <p:spTree>
@@ -7920,1056 +10233,7 @@
 </p:sld>
 </file>
 
-<file path=ppt/slides/slide20.xml><?xml version="1.0" encoding="utf-8"?>
-<p:sld xmlns:a="http://schemas.openxmlformats.org/drawingml/2006/main" xmlns:r="http://schemas.openxmlformats.org/officeDocument/2006/relationships" xmlns:p="http://schemas.openxmlformats.org/presentationml/2006/main">
-  <p:cSld>
-    <p:spTree>
-      <p:nvGrpSpPr>
-        <p:cNvPr id="1" name=""/>
-        <p:cNvGrpSpPr/>
-        <p:nvPr/>
-      </p:nvGrpSpPr>
-      <p:grpSpPr>
-        <a:xfrm>
-          <a:off x="0" y="0"/>
-          <a:ext cx="0" cy="0"/>
-          <a:chOff x="0" y="0"/>
-          <a:chExt cx="0" cy="0"/>
-        </a:xfrm>
-      </p:grpSpPr>
-      <p:sp>
-        <p:nvSpPr>
-          <p:cNvPr id="2" name="標題 1">
-            <a:extLst>
-              <a:ext uri="{FF2B5EF4-FFF2-40B4-BE49-F238E27FC236}">
-                <a16:creationId xmlns:a16="http://schemas.microsoft.com/office/drawing/2014/main" id="{605E4725-A6D9-4E1F-9579-50A074FCB3B7}"/>
-              </a:ext>
-            </a:extLst>
-          </p:cNvPr>
-          <p:cNvSpPr>
-            <a:spLocks noGrp="1"/>
-          </p:cNvSpPr>
-          <p:nvPr>
-            <p:ph type="title"/>
-          </p:nvPr>
-        </p:nvSpPr>
-        <p:spPr/>
-        <p:txBody>
-          <a:bodyPr/>
-          <a:lstStyle/>
-          <a:p>
-            <a:r>
-              <a:rPr lang="en-US" altLang="zh-TW" dirty="0"/>
-              <a:t>Optimize Design 3_2</a:t>
-            </a:r>
-            <a:br>
-              <a:rPr lang="en-US" altLang="zh-TW" dirty="0"/>
-            </a:br>
-            <a:r>
-              <a:rPr lang="en-US" altLang="zh-TW" dirty="0"/>
-              <a:t>rewind</a:t>
-            </a:r>
-            <a:endParaRPr lang="zh-TW" altLang="en-US" dirty="0"/>
-          </a:p>
-        </p:txBody>
-      </p:sp>
-      <p:pic>
-        <p:nvPicPr>
-          <p:cNvPr id="5" name="內容版面配置區 4">
-            <a:extLst>
-              <a:ext uri="{FF2B5EF4-FFF2-40B4-BE49-F238E27FC236}">
-                <a16:creationId xmlns:a16="http://schemas.microsoft.com/office/drawing/2014/main" id="{C54E9B3B-8B96-4DC2-8FEC-24C19B8F8CCB}"/>
-              </a:ext>
-            </a:extLst>
-          </p:cNvPr>
-          <p:cNvPicPr>
-            <a:picLocks noGrp="1" noChangeAspect="1"/>
-          </p:cNvPicPr>
-          <p:nvPr>
-            <p:ph idx="1"/>
-          </p:nvPr>
-        </p:nvPicPr>
-        <p:blipFill>
-          <a:blip r:embed="rId2"/>
-          <a:stretch>
-            <a:fillRect/>
-          </a:stretch>
-        </p:blipFill>
-        <p:spPr>
-          <a:xfrm>
-            <a:off x="838200" y="1854200"/>
-            <a:ext cx="7929228" cy="4351338"/>
-          </a:xfrm>
-          <a:prstGeom prst="rect">
-            <a:avLst/>
-          </a:prstGeom>
-        </p:spPr>
-      </p:pic>
-      <p:pic>
-        <p:nvPicPr>
-          <p:cNvPr id="6" name="圖片 5">
-            <a:extLst>
-              <a:ext uri="{FF2B5EF4-FFF2-40B4-BE49-F238E27FC236}">
-                <a16:creationId xmlns:a16="http://schemas.microsoft.com/office/drawing/2014/main" id="{F77CC999-EFB9-4E38-B193-F714772B9C0F}"/>
-              </a:ext>
-            </a:extLst>
-          </p:cNvPr>
-          <p:cNvPicPr>
-            <a:picLocks noChangeAspect="1"/>
-          </p:cNvPicPr>
-          <p:nvPr/>
-        </p:nvPicPr>
-        <p:blipFill>
-          <a:blip r:embed="rId3"/>
-          <a:stretch>
-            <a:fillRect/>
-          </a:stretch>
-        </p:blipFill>
-        <p:spPr>
-          <a:xfrm>
-            <a:off x="6647072" y="193589"/>
-            <a:ext cx="5239019" cy="3321221"/>
-          </a:xfrm>
-          <a:prstGeom prst="rect">
-            <a:avLst/>
-          </a:prstGeom>
-        </p:spPr>
-      </p:pic>
-    </p:spTree>
-    <p:extLst>
-      <p:ext uri="{BB962C8B-B14F-4D97-AF65-F5344CB8AC3E}">
-        <p14:creationId xmlns:p14="http://schemas.microsoft.com/office/powerpoint/2010/main" val="85366805"/>
-      </p:ext>
-    </p:extLst>
-  </p:cSld>
-  <p:clrMapOvr>
-    <a:masterClrMapping/>
-  </p:clrMapOvr>
-</p:sld>
-</file>
-
-<file path=ppt/slides/slide21.xml><?xml version="1.0" encoding="utf-8"?>
-<p:sld xmlns:a="http://schemas.openxmlformats.org/drawingml/2006/main" xmlns:r="http://schemas.openxmlformats.org/officeDocument/2006/relationships" xmlns:p="http://schemas.openxmlformats.org/presentationml/2006/main">
-  <p:cSld>
-    <p:spTree>
-      <p:nvGrpSpPr>
-        <p:cNvPr id="1" name=""/>
-        <p:cNvGrpSpPr/>
-        <p:nvPr/>
-      </p:nvGrpSpPr>
-      <p:grpSpPr>
-        <a:xfrm>
-          <a:off x="0" y="0"/>
-          <a:ext cx="0" cy="0"/>
-          <a:chOff x="0" y="0"/>
-          <a:chExt cx="0" cy="0"/>
-        </a:xfrm>
-      </p:grpSpPr>
-      <p:sp>
-        <p:nvSpPr>
-          <p:cNvPr id="2" name="標題 1">
-            <a:extLst>
-              <a:ext uri="{FF2B5EF4-FFF2-40B4-BE49-F238E27FC236}">
-                <a16:creationId xmlns:a16="http://schemas.microsoft.com/office/drawing/2014/main" id="{605E4725-A6D9-4E1F-9579-50A074FCB3B7}"/>
-              </a:ext>
-            </a:extLst>
-          </p:cNvPr>
-          <p:cNvSpPr>
-            <a:spLocks noGrp="1"/>
-          </p:cNvSpPr>
-          <p:nvPr>
-            <p:ph type="title"/>
-          </p:nvPr>
-        </p:nvSpPr>
-        <p:spPr/>
-        <p:txBody>
-          <a:bodyPr/>
-          <a:lstStyle/>
-          <a:p>
-            <a:r>
-              <a:rPr lang="en-US" altLang="zh-TW" dirty="0"/>
-              <a:t>Optimize Design 3_2</a:t>
-            </a:r>
-            <a:br>
-              <a:rPr lang="en-US" altLang="zh-TW" dirty="0"/>
-            </a:br>
-            <a:r>
-              <a:rPr lang="en-US" altLang="zh-TW" dirty="0" err="1"/>
-              <a:t>enable_flush</a:t>
-            </a:r>
-            <a:endParaRPr lang="zh-TW" altLang="en-US" dirty="0"/>
-          </a:p>
-        </p:txBody>
-      </p:sp>
-      <p:pic>
-        <p:nvPicPr>
-          <p:cNvPr id="5" name="內容版面配置區 4">
-            <a:extLst>
-              <a:ext uri="{FF2B5EF4-FFF2-40B4-BE49-F238E27FC236}">
-                <a16:creationId xmlns:a16="http://schemas.microsoft.com/office/drawing/2014/main" id="{CC491885-0E71-4D03-9BAB-9F847090CBFE}"/>
-              </a:ext>
-            </a:extLst>
-          </p:cNvPr>
-          <p:cNvPicPr>
-            <a:picLocks noGrp="1" noChangeAspect="1"/>
-          </p:cNvPicPr>
-          <p:nvPr>
-            <p:ph idx="1"/>
-          </p:nvPr>
-        </p:nvPicPr>
-        <p:blipFill>
-          <a:blip r:embed="rId2"/>
-          <a:stretch>
-            <a:fillRect/>
-          </a:stretch>
-        </p:blipFill>
-        <p:spPr>
-          <a:xfrm>
-            <a:off x="697705" y="1825625"/>
-            <a:ext cx="7953998" cy="4351338"/>
-          </a:xfrm>
-          <a:prstGeom prst="rect">
-            <a:avLst/>
-          </a:prstGeom>
-        </p:spPr>
-      </p:pic>
-      <p:pic>
-        <p:nvPicPr>
-          <p:cNvPr id="7" name="圖片 6">
-            <a:extLst>
-              <a:ext uri="{FF2B5EF4-FFF2-40B4-BE49-F238E27FC236}">
-                <a16:creationId xmlns:a16="http://schemas.microsoft.com/office/drawing/2014/main" id="{49CC0351-7EA4-46A0-9C61-9EED0BF2F114}"/>
-              </a:ext>
-            </a:extLst>
-          </p:cNvPr>
-          <p:cNvPicPr>
-            <a:picLocks noChangeAspect="1"/>
-          </p:cNvPicPr>
-          <p:nvPr/>
-        </p:nvPicPr>
-        <p:blipFill>
-          <a:blip r:embed="rId3"/>
-          <a:stretch>
-            <a:fillRect/>
-          </a:stretch>
-        </p:blipFill>
-        <p:spPr>
-          <a:xfrm>
-            <a:off x="6300030" y="158664"/>
-            <a:ext cx="5277121" cy="3333921"/>
-          </a:xfrm>
-          <a:prstGeom prst="rect">
-            <a:avLst/>
-          </a:prstGeom>
-        </p:spPr>
-      </p:pic>
-    </p:spTree>
-    <p:extLst>
-      <p:ext uri="{BB962C8B-B14F-4D97-AF65-F5344CB8AC3E}">
-        <p14:creationId xmlns:p14="http://schemas.microsoft.com/office/powerpoint/2010/main" val="1057117473"/>
-      </p:ext>
-    </p:extLst>
-  </p:cSld>
-  <p:clrMapOvr>
-    <a:masterClrMapping/>
-  </p:clrMapOvr>
-</p:sld>
-</file>
-
-<file path=ppt/slides/slide22.xml><?xml version="1.0" encoding="utf-8"?>
-<p:sld xmlns:a="http://schemas.openxmlformats.org/drawingml/2006/main" xmlns:r="http://schemas.openxmlformats.org/officeDocument/2006/relationships" xmlns:p="http://schemas.openxmlformats.org/presentationml/2006/main">
-  <p:cSld>
-    <p:spTree>
-      <p:nvGrpSpPr>
-        <p:cNvPr id="1" name=""/>
-        <p:cNvGrpSpPr/>
-        <p:nvPr/>
-      </p:nvGrpSpPr>
-      <p:grpSpPr>
-        <a:xfrm>
-          <a:off x="0" y="0"/>
-          <a:ext cx="0" cy="0"/>
-          <a:chOff x="0" y="0"/>
-          <a:chExt cx="0" cy="0"/>
-        </a:xfrm>
-      </p:grpSpPr>
-      <p:sp>
-        <p:nvSpPr>
-          <p:cNvPr id="2" name="標題 1">
-            <a:extLst>
-              <a:ext uri="{FF2B5EF4-FFF2-40B4-BE49-F238E27FC236}">
-                <a16:creationId xmlns:a16="http://schemas.microsoft.com/office/drawing/2014/main" id="{28AB1BAF-BFB8-46FE-A62F-44A352D9D957}"/>
-              </a:ext>
-            </a:extLst>
-          </p:cNvPr>
-          <p:cNvSpPr>
-            <a:spLocks noGrp="1"/>
-          </p:cNvSpPr>
-          <p:nvPr>
-            <p:ph type="title"/>
-          </p:nvPr>
-        </p:nvSpPr>
-        <p:spPr/>
-        <p:txBody>
-          <a:bodyPr/>
-          <a:lstStyle/>
-          <a:p>
-            <a:r>
-              <a:rPr lang="en-US" altLang="zh-TW" dirty="0"/>
-              <a:t>Optimize Design 4</a:t>
-            </a:r>
-            <a:br>
-              <a:rPr lang="en-US" altLang="zh-TW" dirty="0"/>
-            </a:br>
-            <a:r>
-              <a:rPr lang="en-US" altLang="zh-TW" dirty="0"/>
-              <a:t>Handle Boundary Condition</a:t>
-            </a:r>
-            <a:endParaRPr lang="zh-TW" altLang="en-US" dirty="0"/>
-          </a:p>
-        </p:txBody>
-      </p:sp>
-      <p:sp>
-        <p:nvSpPr>
-          <p:cNvPr id="4" name="內容版面配置區 3">
-            <a:extLst>
-              <a:ext uri="{FF2B5EF4-FFF2-40B4-BE49-F238E27FC236}">
-                <a16:creationId xmlns:a16="http://schemas.microsoft.com/office/drawing/2014/main" id="{3A50BE17-0E3B-4F09-95A6-98D49A1CD4FB}"/>
-              </a:ext>
-            </a:extLst>
-          </p:cNvPr>
-          <p:cNvSpPr>
-            <a:spLocks noGrp="1"/>
-          </p:cNvSpPr>
-          <p:nvPr>
-            <p:ph idx="1"/>
-          </p:nvPr>
-        </p:nvSpPr>
-        <p:spPr/>
-        <p:txBody>
-          <a:bodyPr/>
-          <a:lstStyle/>
-          <a:p>
-            <a:r>
-              <a:rPr lang="en-US" altLang="zh-TW" dirty="0"/>
-              <a:t>Avoid the window access beyond boundary</a:t>
-            </a:r>
-          </a:p>
-          <a:p>
-            <a:r>
-              <a:rPr lang="en-US" altLang="zh-TW" dirty="0"/>
-              <a:t>Re-access the pixel on the boundary when window will access those beyond boundary pixels.</a:t>
-            </a:r>
-          </a:p>
-          <a:p>
-            <a:r>
-              <a:rPr lang="en-US" altLang="zh-TW" dirty="0"/>
-              <a:t>Handling the boundary condition causes the hardware more complex and time consuming.</a:t>
-            </a:r>
-          </a:p>
-        </p:txBody>
-      </p:sp>
-    </p:spTree>
-    <p:extLst>
-      <p:ext uri="{BB962C8B-B14F-4D97-AF65-F5344CB8AC3E}">
-        <p14:creationId xmlns:p14="http://schemas.microsoft.com/office/powerpoint/2010/main" val="256598485"/>
-      </p:ext>
-    </p:extLst>
-  </p:cSld>
-  <p:clrMapOvr>
-    <a:masterClrMapping/>
-  </p:clrMapOvr>
-</p:sld>
-</file>
-
-<file path=ppt/slides/slide23.xml><?xml version="1.0" encoding="utf-8"?>
-<p:sld xmlns:a="http://schemas.openxmlformats.org/drawingml/2006/main" xmlns:r="http://schemas.openxmlformats.org/officeDocument/2006/relationships" xmlns:p="http://schemas.openxmlformats.org/presentationml/2006/main">
-  <p:cSld>
-    <p:spTree>
-      <p:nvGrpSpPr>
-        <p:cNvPr id="1" name=""/>
-        <p:cNvGrpSpPr/>
-        <p:nvPr/>
-      </p:nvGrpSpPr>
-      <p:grpSpPr>
-        <a:xfrm>
-          <a:off x="0" y="0"/>
-          <a:ext cx="0" cy="0"/>
-          <a:chOff x="0" y="0"/>
-          <a:chExt cx="0" cy="0"/>
-        </a:xfrm>
-      </p:grpSpPr>
-      <p:sp>
-        <p:nvSpPr>
-          <p:cNvPr id="2" name="標題 1">
-            <a:extLst>
-              <a:ext uri="{FF2B5EF4-FFF2-40B4-BE49-F238E27FC236}">
-                <a16:creationId xmlns:a16="http://schemas.microsoft.com/office/drawing/2014/main" id="{E8C4ED45-9AAD-41CD-9807-94EF94E2408D}"/>
-              </a:ext>
-            </a:extLst>
-          </p:cNvPr>
-          <p:cNvSpPr>
-            <a:spLocks noGrp="1"/>
-          </p:cNvSpPr>
-          <p:nvPr>
-            <p:ph type="title"/>
-          </p:nvPr>
-        </p:nvSpPr>
-        <p:spPr/>
-        <p:txBody>
-          <a:bodyPr/>
-          <a:lstStyle/>
-          <a:p>
-            <a:r>
-              <a:rPr lang="en-US" altLang="zh-TW" dirty="0"/>
-              <a:t>Optimize Design 4</a:t>
-            </a:r>
-            <a:br>
-              <a:rPr lang="en-US" altLang="zh-TW" dirty="0"/>
-            </a:br>
-            <a:r>
-              <a:rPr lang="en-US" altLang="zh-TW" dirty="0"/>
-              <a:t>Timing/ Utilization</a:t>
-            </a:r>
-            <a:endParaRPr lang="zh-TW" altLang="en-US" dirty="0"/>
-          </a:p>
-        </p:txBody>
-      </p:sp>
-      <p:pic>
-        <p:nvPicPr>
-          <p:cNvPr id="7" name="內容版面配置區 6">
-            <a:extLst>
-              <a:ext uri="{FF2B5EF4-FFF2-40B4-BE49-F238E27FC236}">
-                <a16:creationId xmlns:a16="http://schemas.microsoft.com/office/drawing/2014/main" id="{E6D85EBF-4111-483D-BDA6-657F02B7487A}"/>
-              </a:ext>
-            </a:extLst>
-          </p:cNvPr>
-          <p:cNvPicPr>
-            <a:picLocks noGrp="1" noChangeAspect="1"/>
-          </p:cNvPicPr>
-          <p:nvPr>
-            <p:ph idx="1"/>
-          </p:nvPr>
-        </p:nvPicPr>
-        <p:blipFill>
-          <a:blip r:embed="rId2"/>
-          <a:stretch>
-            <a:fillRect/>
-          </a:stretch>
-        </p:blipFill>
-        <p:spPr>
-          <a:xfrm>
-            <a:off x="2172572" y="1825625"/>
-            <a:ext cx="7846856" cy="4351338"/>
-          </a:xfrm>
-          <a:prstGeom prst="rect">
-            <a:avLst/>
-          </a:prstGeom>
-        </p:spPr>
-      </p:pic>
-      <p:pic>
-        <p:nvPicPr>
-          <p:cNvPr id="8" name="圖片 7">
-            <a:extLst>
-              <a:ext uri="{FF2B5EF4-FFF2-40B4-BE49-F238E27FC236}">
-                <a16:creationId xmlns:a16="http://schemas.microsoft.com/office/drawing/2014/main" id="{756EA318-2EC8-4DEB-9D49-22799F869A92}"/>
-              </a:ext>
-            </a:extLst>
-          </p:cNvPr>
-          <p:cNvPicPr>
-            <a:picLocks noChangeAspect="1"/>
-          </p:cNvPicPr>
-          <p:nvPr/>
-        </p:nvPicPr>
-        <p:blipFill>
-          <a:blip r:embed="rId3"/>
-          <a:stretch>
-            <a:fillRect/>
-          </a:stretch>
-        </p:blipFill>
-        <p:spPr>
-          <a:xfrm>
-            <a:off x="6255857" y="145963"/>
-            <a:ext cx="5226319" cy="3359323"/>
-          </a:xfrm>
-          <a:prstGeom prst="rect">
-            <a:avLst/>
-          </a:prstGeom>
-        </p:spPr>
-      </p:pic>
-    </p:spTree>
-    <p:extLst>
-      <p:ext uri="{BB962C8B-B14F-4D97-AF65-F5344CB8AC3E}">
-        <p14:creationId xmlns:p14="http://schemas.microsoft.com/office/powerpoint/2010/main" val="4263986576"/>
-      </p:ext>
-    </p:extLst>
-  </p:cSld>
-  <p:clrMapOvr>
-    <a:masterClrMapping/>
-  </p:clrMapOvr>
-</p:sld>
-</file>
-
-<file path=ppt/slides/slide24.xml><?xml version="1.0" encoding="utf-8"?>
-<p:sld xmlns:a="http://schemas.openxmlformats.org/drawingml/2006/main" xmlns:r="http://schemas.openxmlformats.org/officeDocument/2006/relationships" xmlns:p="http://schemas.openxmlformats.org/presentationml/2006/main">
-  <p:cSld>
-    <p:spTree>
-      <p:nvGrpSpPr>
-        <p:cNvPr id="1" name=""/>
-        <p:cNvGrpSpPr/>
-        <p:nvPr/>
-      </p:nvGrpSpPr>
-      <p:grpSpPr>
-        <a:xfrm>
-          <a:off x="0" y="0"/>
-          <a:ext cx="0" cy="0"/>
-          <a:chOff x="0" y="0"/>
-          <a:chExt cx="0" cy="0"/>
-        </a:xfrm>
-      </p:grpSpPr>
-      <p:sp>
-        <p:nvSpPr>
-          <p:cNvPr id="2" name="標題 1">
-            <a:extLst>
-              <a:ext uri="{FF2B5EF4-FFF2-40B4-BE49-F238E27FC236}">
-                <a16:creationId xmlns:a16="http://schemas.microsoft.com/office/drawing/2014/main" id="{605E4725-A6D9-4E1F-9579-50A074FCB3B7}"/>
-              </a:ext>
-            </a:extLst>
-          </p:cNvPr>
-          <p:cNvSpPr>
-            <a:spLocks noGrp="1"/>
-          </p:cNvSpPr>
-          <p:nvPr>
-            <p:ph type="title"/>
-          </p:nvPr>
-        </p:nvSpPr>
-        <p:spPr/>
-        <p:txBody>
-          <a:bodyPr/>
-          <a:lstStyle/>
-          <a:p>
-            <a:r>
-              <a:rPr lang="en-US" altLang="zh-TW" dirty="0"/>
-              <a:t>Optimize Design 4</a:t>
-            </a:r>
-            <a:br>
-              <a:rPr lang="en-US" altLang="zh-TW" dirty="0"/>
-            </a:br>
-            <a:r>
-              <a:rPr lang="en-US" altLang="zh-TW" dirty="0"/>
-              <a:t>rewind</a:t>
-            </a:r>
-            <a:endParaRPr lang="zh-TW" altLang="en-US" dirty="0"/>
-          </a:p>
-        </p:txBody>
-      </p:sp>
-      <p:pic>
-        <p:nvPicPr>
-          <p:cNvPr id="7" name="內容版面配置區 6">
-            <a:extLst>
-              <a:ext uri="{FF2B5EF4-FFF2-40B4-BE49-F238E27FC236}">
-                <a16:creationId xmlns:a16="http://schemas.microsoft.com/office/drawing/2014/main" id="{E6D6EE4D-12CE-4BC0-985E-5704F91D6475}"/>
-              </a:ext>
-            </a:extLst>
-          </p:cNvPr>
-          <p:cNvPicPr>
-            <a:picLocks noGrp="1" noChangeAspect="1"/>
-          </p:cNvPicPr>
-          <p:nvPr>
-            <p:ph idx="1"/>
-          </p:nvPr>
-        </p:nvPicPr>
-        <p:blipFill>
-          <a:blip r:embed="rId2"/>
-          <a:stretch>
-            <a:fillRect/>
-          </a:stretch>
-        </p:blipFill>
-        <p:spPr>
-          <a:xfrm>
-            <a:off x="2145590" y="1825625"/>
-            <a:ext cx="7900819" cy="4351338"/>
-          </a:xfrm>
-          <a:prstGeom prst="rect">
-            <a:avLst/>
-          </a:prstGeom>
-        </p:spPr>
-      </p:pic>
-      <p:pic>
-        <p:nvPicPr>
-          <p:cNvPr id="8" name="圖片 7">
-            <a:extLst>
-              <a:ext uri="{FF2B5EF4-FFF2-40B4-BE49-F238E27FC236}">
-                <a16:creationId xmlns:a16="http://schemas.microsoft.com/office/drawing/2014/main" id="{55C53E81-5D15-46CD-8F97-505E34CCA3FD}"/>
-              </a:ext>
-            </a:extLst>
-          </p:cNvPr>
-          <p:cNvPicPr>
-            <a:picLocks noChangeAspect="1"/>
-          </p:cNvPicPr>
-          <p:nvPr/>
-        </p:nvPicPr>
-        <p:blipFill>
-          <a:blip r:embed="rId3"/>
-          <a:stretch>
-            <a:fillRect/>
-          </a:stretch>
-        </p:blipFill>
-        <p:spPr>
-          <a:xfrm>
-            <a:off x="6275042" y="184065"/>
-            <a:ext cx="5346975" cy="3283119"/>
-          </a:xfrm>
-          <a:prstGeom prst="rect">
-            <a:avLst/>
-          </a:prstGeom>
-        </p:spPr>
-      </p:pic>
-    </p:spTree>
-    <p:extLst>
-      <p:ext uri="{BB962C8B-B14F-4D97-AF65-F5344CB8AC3E}">
-        <p14:creationId xmlns:p14="http://schemas.microsoft.com/office/powerpoint/2010/main" val="4168234455"/>
-      </p:ext>
-    </p:extLst>
-  </p:cSld>
-  <p:clrMapOvr>
-    <a:masterClrMapping/>
-  </p:clrMapOvr>
-</p:sld>
-</file>
-
-<file path=ppt/slides/slide25.xml><?xml version="1.0" encoding="utf-8"?>
-<p:sld xmlns:a="http://schemas.openxmlformats.org/drawingml/2006/main" xmlns:r="http://schemas.openxmlformats.org/officeDocument/2006/relationships" xmlns:p="http://schemas.openxmlformats.org/presentationml/2006/main">
-  <p:cSld>
-    <p:spTree>
-      <p:nvGrpSpPr>
-        <p:cNvPr id="1" name=""/>
-        <p:cNvGrpSpPr/>
-        <p:nvPr/>
-      </p:nvGrpSpPr>
-      <p:grpSpPr>
-        <a:xfrm>
-          <a:off x="0" y="0"/>
-          <a:ext cx="0" cy="0"/>
-          <a:chOff x="0" y="0"/>
-          <a:chExt cx="0" cy="0"/>
-        </a:xfrm>
-      </p:grpSpPr>
-      <p:sp>
-        <p:nvSpPr>
-          <p:cNvPr id="2" name="標題 1">
-            <a:extLst>
-              <a:ext uri="{FF2B5EF4-FFF2-40B4-BE49-F238E27FC236}">
-                <a16:creationId xmlns:a16="http://schemas.microsoft.com/office/drawing/2014/main" id="{605E4725-A6D9-4E1F-9579-50A074FCB3B7}"/>
-              </a:ext>
-            </a:extLst>
-          </p:cNvPr>
-          <p:cNvSpPr>
-            <a:spLocks noGrp="1"/>
-          </p:cNvSpPr>
-          <p:nvPr>
-            <p:ph type="title"/>
-          </p:nvPr>
-        </p:nvSpPr>
-        <p:spPr/>
-        <p:txBody>
-          <a:bodyPr/>
-          <a:lstStyle/>
-          <a:p>
-            <a:r>
-              <a:rPr lang="en-US" altLang="zh-TW" dirty="0"/>
-              <a:t>Optimize Design 4</a:t>
-            </a:r>
-            <a:br>
-              <a:rPr lang="en-US" altLang="zh-TW" dirty="0"/>
-            </a:br>
-            <a:r>
-              <a:rPr lang="en-US" altLang="zh-TW" dirty="0" err="1"/>
-              <a:t>enable_flush</a:t>
-            </a:r>
-            <a:endParaRPr lang="zh-TW" altLang="en-US" dirty="0"/>
-          </a:p>
-        </p:txBody>
-      </p:sp>
-      <p:pic>
-        <p:nvPicPr>
-          <p:cNvPr id="6" name="內容版面配置區 5">
-            <a:extLst>
-              <a:ext uri="{FF2B5EF4-FFF2-40B4-BE49-F238E27FC236}">
-                <a16:creationId xmlns:a16="http://schemas.microsoft.com/office/drawing/2014/main" id="{21614BAB-9BEE-49E8-ADC7-57CAFADD8F78}"/>
-              </a:ext>
-            </a:extLst>
-          </p:cNvPr>
-          <p:cNvPicPr>
-            <a:picLocks noGrp="1" noChangeAspect="1"/>
-          </p:cNvPicPr>
-          <p:nvPr>
-            <p:ph idx="1"/>
-          </p:nvPr>
-        </p:nvPicPr>
-        <p:blipFill>
-          <a:blip r:embed="rId2"/>
-          <a:stretch>
-            <a:fillRect/>
-          </a:stretch>
-        </p:blipFill>
-        <p:spPr>
-          <a:xfrm>
-            <a:off x="2154330" y="1825625"/>
-            <a:ext cx="7883339" cy="4351338"/>
-          </a:xfrm>
-          <a:prstGeom prst="rect">
-            <a:avLst/>
-          </a:prstGeom>
-        </p:spPr>
-      </p:pic>
-      <p:pic>
-        <p:nvPicPr>
-          <p:cNvPr id="8" name="圖片 7">
-            <a:extLst>
-              <a:ext uri="{FF2B5EF4-FFF2-40B4-BE49-F238E27FC236}">
-                <a16:creationId xmlns:a16="http://schemas.microsoft.com/office/drawing/2014/main" id="{95710523-87A8-4A59-8124-BD47EC3FF64F}"/>
-              </a:ext>
-            </a:extLst>
-          </p:cNvPr>
-          <p:cNvPicPr>
-            <a:picLocks noChangeAspect="1"/>
-          </p:cNvPicPr>
-          <p:nvPr/>
-        </p:nvPicPr>
-        <p:blipFill>
-          <a:blip r:embed="rId3"/>
-          <a:stretch>
-            <a:fillRect/>
-          </a:stretch>
-        </p:blipFill>
-        <p:spPr>
-          <a:xfrm>
-            <a:off x="6280566" y="152314"/>
-            <a:ext cx="5296172" cy="3346622"/>
-          </a:xfrm>
-          <a:prstGeom prst="rect">
-            <a:avLst/>
-          </a:prstGeom>
-        </p:spPr>
-      </p:pic>
-    </p:spTree>
-    <p:extLst>
-      <p:ext uri="{BB962C8B-B14F-4D97-AF65-F5344CB8AC3E}">
-        <p14:creationId xmlns:p14="http://schemas.microsoft.com/office/powerpoint/2010/main" val="3614066654"/>
-      </p:ext>
-    </p:extLst>
-  </p:cSld>
-  <p:clrMapOvr>
-    <a:masterClrMapping/>
-  </p:clrMapOvr>
-</p:sld>
-</file>
-
-<file path=ppt/slides/slide26.xml><?xml version="1.0" encoding="utf-8"?>
-<p:sld xmlns:a="http://schemas.openxmlformats.org/drawingml/2006/main" xmlns:r="http://schemas.openxmlformats.org/officeDocument/2006/relationships" xmlns:p="http://schemas.openxmlformats.org/presentationml/2006/main">
-  <p:cSld>
-    <p:spTree>
-      <p:nvGrpSpPr>
-        <p:cNvPr id="1" name=""/>
-        <p:cNvGrpSpPr/>
-        <p:nvPr/>
-      </p:nvGrpSpPr>
-      <p:grpSpPr>
-        <a:xfrm>
-          <a:off x="0" y="0"/>
-          <a:ext cx="0" cy="0"/>
-          <a:chOff x="0" y="0"/>
-          <a:chExt cx="0" cy="0"/>
-        </a:xfrm>
-      </p:grpSpPr>
-      <p:sp>
-        <p:nvSpPr>
-          <p:cNvPr id="2" name="標題 1">
-            <a:extLst>
-              <a:ext uri="{FF2B5EF4-FFF2-40B4-BE49-F238E27FC236}">
-                <a16:creationId xmlns:a16="http://schemas.microsoft.com/office/drawing/2014/main" id="{915437AE-4101-4067-85F5-1EAC6BF4BA88}"/>
-              </a:ext>
-            </a:extLst>
-          </p:cNvPr>
-          <p:cNvSpPr>
-            <a:spLocks noGrp="1"/>
-          </p:cNvSpPr>
-          <p:nvPr>
-            <p:ph type="title"/>
-          </p:nvPr>
-        </p:nvSpPr>
-        <p:spPr/>
-        <p:txBody>
-          <a:bodyPr/>
-          <a:lstStyle/>
-          <a:p>
-            <a:r>
-              <a:rPr lang="en-US" altLang="zh-TW" dirty="0"/>
-              <a:t>Observation and Learning</a:t>
-            </a:r>
-            <a:endParaRPr lang="zh-TW" altLang="en-US" dirty="0"/>
-          </a:p>
-        </p:txBody>
-      </p:sp>
-      <p:sp>
-        <p:nvSpPr>
-          <p:cNvPr id="3" name="內容版面配置區 2">
-            <a:extLst>
-              <a:ext uri="{FF2B5EF4-FFF2-40B4-BE49-F238E27FC236}">
-                <a16:creationId xmlns:a16="http://schemas.microsoft.com/office/drawing/2014/main" id="{A91E81D8-EC78-407C-8E22-A826F356CAEC}"/>
-              </a:ext>
-            </a:extLst>
-          </p:cNvPr>
-          <p:cNvSpPr>
-            <a:spLocks noGrp="1"/>
-          </p:cNvSpPr>
-          <p:nvPr>
-            <p:ph idx="1"/>
-          </p:nvPr>
-        </p:nvSpPr>
-        <p:spPr/>
-        <p:txBody>
-          <a:bodyPr>
-            <a:normAutofit fontScale="85000" lnSpcReduction="20000"/>
-          </a:bodyPr>
-          <a:lstStyle/>
-          <a:p>
-            <a:pPr marL="514350" indent="-514350">
-              <a:buFont typeface="+mj-lt"/>
-              <a:buAutoNum type="arabicPeriod"/>
-            </a:pPr>
-            <a:r>
-              <a:rPr lang="en-US" altLang="zh-TW" dirty="0"/>
-              <a:t>We cannot achieve II = 1 when we access  3$\times$3 pixels from </a:t>
-            </a:r>
-            <a:r>
-              <a:rPr lang="en-US" altLang="zh-TW" dirty="0" err="1"/>
-              <a:t>pixel_in</a:t>
-            </a:r>
-            <a:r>
-              <a:rPr lang="en-US" altLang="zh-TW" dirty="0"/>
-              <a:t> for each time we call filter.</a:t>
-            </a:r>
-          </a:p>
-          <a:p>
-            <a:pPr marL="514350" indent="-514350">
-              <a:buFont typeface="+mj-lt"/>
-              <a:buAutoNum type="arabicPeriod"/>
-            </a:pPr>
-            <a:r>
-              <a:rPr lang="en-US" altLang="zh-TW" dirty="0"/>
-              <a:t>We can achieve II = 1 when we access only one pixel from </a:t>
-            </a:r>
-            <a:r>
-              <a:rPr lang="en-US" altLang="zh-TW" dirty="0" err="1"/>
-              <a:t>pixel_in</a:t>
-            </a:r>
-            <a:r>
-              <a:rPr lang="en-US" altLang="zh-TW" dirty="0"/>
-              <a:t> for each time we call filter.</a:t>
-            </a:r>
-          </a:p>
-          <a:p>
-            <a:pPr marL="514350" indent="-514350">
-              <a:buFont typeface="+mj-lt"/>
-              <a:buAutoNum type="arabicPeriod"/>
-            </a:pPr>
-            <a:r>
-              <a:rPr lang="en-US" altLang="zh-TW" dirty="0"/>
-              <a:t>rewind will help to decrease the latency that main function prepares to access the next input.</a:t>
-            </a:r>
-          </a:p>
-          <a:p>
-            <a:pPr marL="514350" indent="-514350">
-              <a:buFont typeface="+mj-lt"/>
-              <a:buAutoNum type="arabicPeriod"/>
-            </a:pPr>
-            <a:r>
-              <a:rPr lang="en-US" altLang="zh-TW" dirty="0" err="1"/>
-              <a:t>enable_flush</a:t>
-            </a:r>
-            <a:r>
-              <a:rPr lang="en-US" altLang="zh-TW" dirty="0"/>
-              <a:t> will not help to decrease the loop latency in some cases.</a:t>
-            </a:r>
-          </a:p>
-          <a:p>
-            <a:pPr marL="514350" indent="-514350">
-              <a:buFont typeface="+mj-lt"/>
-              <a:buAutoNum type="arabicPeriod"/>
-            </a:pPr>
-            <a:r>
-              <a:rPr lang="en-US" altLang="zh-TW" dirty="0"/>
-              <a:t>When flush the pipeline, the pipeline will shut down all the successive stage until the final input has been processed.</a:t>
-            </a:r>
-          </a:p>
-          <a:p>
-            <a:pPr marL="457200" lvl="1" indent="0">
-              <a:buNone/>
-            </a:pPr>
-            <a:r>
-              <a:rPr lang="en-US" altLang="zh-TW" dirty="0">
-                <a:sym typeface="Wingdings" panose="05000000000000000000" pitchFamily="2" charset="2"/>
-              </a:rPr>
-              <a:t> </a:t>
-            </a:r>
-            <a:r>
-              <a:rPr lang="en-US" altLang="zh-TW" dirty="0"/>
-              <a:t>If the time of pipeline stalling is shorter than or equals to that of completing all the older inputs and resume pipeline, </a:t>
-            </a:r>
-            <a:r>
-              <a:rPr lang="en-US" altLang="zh-TW" dirty="0" err="1"/>
-              <a:t>enable_flush</a:t>
-            </a:r>
-            <a:r>
-              <a:rPr lang="en-US" altLang="zh-TW" dirty="0"/>
-              <a:t> is not a good choice.</a:t>
-            </a:r>
-          </a:p>
-          <a:p>
-            <a:pPr marL="514350" indent="-514350">
-              <a:buFont typeface="+mj-lt"/>
-              <a:buAutoNum type="arabicPeriod"/>
-            </a:pPr>
-            <a:r>
-              <a:rPr lang="en-US" altLang="zh-TW" dirty="0"/>
-              <a:t>When the if-statement containing memory access, rewind and </a:t>
-            </a:r>
-            <a:r>
-              <a:rPr lang="en-US" altLang="zh-TW" dirty="0" err="1"/>
-              <a:t>enable_flush</a:t>
-            </a:r>
-            <a:r>
-              <a:rPr lang="en-US" altLang="zh-TW" dirty="0"/>
-              <a:t> are useless. They will cause timing violation.</a:t>
-            </a:r>
-            <a:endParaRPr lang="zh-TW" altLang="en-US" dirty="0"/>
-          </a:p>
-        </p:txBody>
-      </p:sp>
-    </p:spTree>
-    <p:extLst>
-      <p:ext uri="{BB962C8B-B14F-4D97-AF65-F5344CB8AC3E}">
-        <p14:creationId xmlns:p14="http://schemas.microsoft.com/office/powerpoint/2010/main" val="2840338236"/>
-      </p:ext>
-    </p:extLst>
-  </p:cSld>
-  <p:clrMapOvr>
-    <a:masterClrMapping/>
-  </p:clrMapOvr>
-</p:sld>
-</file>
-
-<file path=ppt/slides/slide27.xml><?xml version="1.0" encoding="utf-8"?>
-<p:sld xmlns:a="http://schemas.openxmlformats.org/drawingml/2006/main" xmlns:r="http://schemas.openxmlformats.org/officeDocument/2006/relationships" xmlns:p="http://schemas.openxmlformats.org/presentationml/2006/main">
-  <p:cSld>
-    <p:spTree>
-      <p:nvGrpSpPr>
-        <p:cNvPr id="1" name=""/>
-        <p:cNvGrpSpPr/>
-        <p:nvPr/>
-      </p:nvGrpSpPr>
-      <p:grpSpPr>
-        <a:xfrm>
-          <a:off x="0" y="0"/>
-          <a:ext cx="0" cy="0"/>
-          <a:chOff x="0" y="0"/>
-          <a:chExt cx="0" cy="0"/>
-        </a:xfrm>
-      </p:grpSpPr>
-      <p:sp>
-        <p:nvSpPr>
-          <p:cNvPr id="2" name="標題 1">
-            <a:extLst>
-              <a:ext uri="{FF2B5EF4-FFF2-40B4-BE49-F238E27FC236}">
-                <a16:creationId xmlns:a16="http://schemas.microsoft.com/office/drawing/2014/main" id="{C3C18F15-A3E9-4E78-A19D-7D53F75C13E8}"/>
-              </a:ext>
-            </a:extLst>
-          </p:cNvPr>
-          <p:cNvSpPr>
-            <a:spLocks noGrp="1"/>
-          </p:cNvSpPr>
-          <p:nvPr>
-            <p:ph type="title"/>
-          </p:nvPr>
-        </p:nvSpPr>
-        <p:spPr/>
-        <p:txBody>
-          <a:bodyPr/>
-          <a:lstStyle/>
-          <a:p>
-            <a:r>
-              <a:rPr lang="en-US" altLang="zh-TW" dirty="0"/>
-              <a:t>Problem</a:t>
-            </a:r>
-            <a:endParaRPr lang="zh-TW" altLang="en-US" dirty="0"/>
-          </a:p>
-        </p:txBody>
-      </p:sp>
-      <p:sp>
-        <p:nvSpPr>
-          <p:cNvPr id="3" name="內容版面配置區 2">
-            <a:extLst>
-              <a:ext uri="{FF2B5EF4-FFF2-40B4-BE49-F238E27FC236}">
-                <a16:creationId xmlns:a16="http://schemas.microsoft.com/office/drawing/2014/main" id="{36D36E6F-612D-420A-8500-17FBB1726D11}"/>
-              </a:ext>
-            </a:extLst>
-          </p:cNvPr>
-          <p:cNvSpPr>
-            <a:spLocks noGrp="1"/>
-          </p:cNvSpPr>
-          <p:nvPr>
-            <p:ph idx="1"/>
-          </p:nvPr>
-        </p:nvSpPr>
-        <p:spPr/>
-        <p:txBody>
-          <a:bodyPr>
-            <a:normAutofit lnSpcReduction="10000"/>
-          </a:bodyPr>
-          <a:lstStyle/>
-          <a:p>
-            <a:r>
-              <a:rPr lang="en-US" altLang="zh-TW" dirty="0"/>
-              <a:t>I had no background knowledge about video processing. I spent lots of time to understand the must-known knowledge about video.</a:t>
-            </a:r>
-          </a:p>
-          <a:p>
-            <a:endParaRPr lang="en-US" altLang="zh-TW" dirty="0"/>
-          </a:p>
-          <a:p>
-            <a:r>
-              <a:rPr lang="en-US" altLang="zh-TW" dirty="0"/>
-              <a:t>When I did this lab, I quickly find that I did not "fully" understand the pipeline rewind and flush. I looked up for those information that I am not quite familiar with.</a:t>
-            </a:r>
-          </a:p>
-          <a:p>
-            <a:endParaRPr lang="en-US" altLang="zh-TW" dirty="0"/>
-          </a:p>
-          <a:p>
-            <a:r>
-              <a:rPr lang="en-US" altLang="zh-TW" dirty="0"/>
-              <a:t>Additionally, I utilized my understanding about memory access to analyze the timing violation about the 3rd and 4th algorithm, which I really spent lots of time to analyze.</a:t>
-            </a:r>
-            <a:endParaRPr lang="zh-TW" altLang="en-US" dirty="0"/>
-          </a:p>
-        </p:txBody>
-      </p:sp>
-    </p:spTree>
-    <p:extLst>
-      <p:ext uri="{BB962C8B-B14F-4D97-AF65-F5344CB8AC3E}">
-        <p14:creationId xmlns:p14="http://schemas.microsoft.com/office/powerpoint/2010/main" val="1354678249"/>
-      </p:ext>
-    </p:extLst>
-  </p:cSld>
-  <p:clrMapOvr>
-    <a:masterClrMapping/>
-  </p:clrMapOvr>
-</p:sld>
-</file>
-
-<file path=ppt/slides/slide3.xml><?xml version="1.0" encoding="utf-8"?>
+<file path=ppt/slides/slide4.xml><?xml version="1.0" encoding="utf-8"?>
 <p:sld xmlns:a="http://schemas.openxmlformats.org/drawingml/2006/main" xmlns:r="http://schemas.openxmlformats.org/officeDocument/2006/relationships" xmlns:p="http://schemas.openxmlformats.org/presentationml/2006/main">
   <p:cSld>
     <p:spTree>
@@ -9266,7 +10530,7 @@
 </p:sld>
 </file>
 
-<file path=ppt/slides/slide4.xml><?xml version="1.0" encoding="utf-8"?>
+<file path=ppt/slides/slide5.xml><?xml version="1.0" encoding="utf-8"?>
 <p:sld xmlns:a="http://schemas.openxmlformats.org/drawingml/2006/main" xmlns:r="http://schemas.openxmlformats.org/officeDocument/2006/relationships" xmlns:p="http://schemas.openxmlformats.org/presentationml/2006/main">
   <p:cSld>
     <p:spTree>
@@ -10973,7 +12237,7 @@
 </p:sld>
 </file>
 
-<file path=ppt/slides/slide5.xml><?xml version="1.0" encoding="utf-8"?>
+<file path=ppt/slides/slide6.xml><?xml version="1.0" encoding="utf-8"?>
 <p:sld xmlns:a="http://schemas.openxmlformats.org/drawingml/2006/main" xmlns:r="http://schemas.openxmlformats.org/officeDocument/2006/relationships" xmlns:p="http://schemas.openxmlformats.org/presentationml/2006/main">
   <p:cSld>
     <p:spTree>
@@ -12122,6 +13386,42 @@
           </a:p>
         </p:txBody>
       </p:sp>
+      <p:sp>
+        <p:nvSpPr>
+          <p:cNvPr id="3" name="文字方塊 2">
+            <a:extLst>
+              <a:ext uri="{FF2B5EF4-FFF2-40B4-BE49-F238E27FC236}">
+                <a16:creationId xmlns:a16="http://schemas.microsoft.com/office/drawing/2014/main" id="{5493EB0F-013C-4D11-A005-B1E345396BF5}"/>
+              </a:ext>
+            </a:extLst>
+          </p:cNvPr>
+          <p:cNvSpPr txBox="1"/>
+          <p:nvPr/>
+        </p:nvSpPr>
+        <p:spPr>
+          <a:xfrm>
+            <a:off x="7934326" y="6035158"/>
+            <a:ext cx="3338512" cy="646331"/>
+          </a:xfrm>
+          <a:prstGeom prst="rect">
+            <a:avLst/>
+          </a:prstGeom>
+          <a:noFill/>
+        </p:spPr>
+        <p:txBody>
+          <a:bodyPr wrap="square" rtlCol="0">
+            <a:spAutoFit/>
+          </a:bodyPr>
+          <a:lstStyle/>
+          <a:p>
+            <a:r>
+              <a:rPr lang="en-US" altLang="zh-TW" dirty="0"/>
+              <a:t>Pipeline part: from pixel access to competing filter</a:t>
+            </a:r>
+            <a:endParaRPr lang="zh-TW" altLang="en-US" dirty="0"/>
+          </a:p>
+        </p:txBody>
+      </p:sp>
     </p:spTree>
     <p:extLst>
       <p:ext uri="{BB962C8B-B14F-4D97-AF65-F5344CB8AC3E}">
@@ -12434,7 +13734,7 @@
 </p:sld>
 </file>
 
-<file path=ppt/slides/slide6.xml><?xml version="1.0" encoding="utf-8"?>
+<file path=ppt/slides/slide7.xml><?xml version="1.0" encoding="utf-8"?>
 <p:sld xmlns:a="http://schemas.openxmlformats.org/drawingml/2006/main" xmlns:r="http://schemas.openxmlformats.org/officeDocument/2006/relationships" xmlns:p="http://schemas.openxmlformats.org/presentationml/2006/main">
   <p:cSld>
     <p:spTree>
@@ -12605,7 +13905,7 @@
 </p:sld>
 </file>
 
-<file path=ppt/slides/slide7.xml><?xml version="1.0" encoding="utf-8"?>
+<file path=ppt/slides/slide8.xml><?xml version="1.0" encoding="utf-8"?>
 <p:sld xmlns:a="http://schemas.openxmlformats.org/drawingml/2006/main" xmlns:r="http://schemas.openxmlformats.org/officeDocument/2006/relationships" xmlns:p="http://schemas.openxmlformats.org/presentationml/2006/main">
   <p:cSld>
     <p:spTree>
@@ -12703,7 +14003,7 @@
 </p:sld>
 </file>
 
-<file path=ppt/slides/slide8.xml><?xml version="1.0" encoding="utf-8"?>
+<file path=ppt/slides/slide9.xml><?xml version="1.0" encoding="utf-8"?>
 <p:sld xmlns:a="http://schemas.openxmlformats.org/drawingml/2006/main" xmlns:r="http://schemas.openxmlformats.org/officeDocument/2006/relationships" xmlns:p="http://schemas.openxmlformats.org/presentationml/2006/main">
   <p:cSld>
     <p:spTree>
@@ -12910,228 +14210,6 @@
     <p:extLst>
       <p:ext uri="{BB962C8B-B14F-4D97-AF65-F5344CB8AC3E}">
         <p14:creationId xmlns:p14="http://schemas.microsoft.com/office/powerpoint/2010/main" val="3613213681"/>
-      </p:ext>
-    </p:extLst>
-  </p:cSld>
-  <p:clrMapOvr>
-    <a:masterClrMapping/>
-  </p:clrMapOvr>
-</p:sld>
-</file>
-
-<file path=ppt/slides/slide9.xml><?xml version="1.0" encoding="utf-8"?>
-<p:sld xmlns:a="http://schemas.openxmlformats.org/drawingml/2006/main" xmlns:r="http://schemas.openxmlformats.org/officeDocument/2006/relationships" xmlns:p="http://schemas.openxmlformats.org/presentationml/2006/main">
-  <p:cSld>
-    <p:spTree>
-      <p:nvGrpSpPr>
-        <p:cNvPr id="1" name=""/>
-        <p:cNvGrpSpPr/>
-        <p:nvPr/>
-      </p:nvGrpSpPr>
-      <p:grpSpPr>
-        <a:xfrm>
-          <a:off x="0" y="0"/>
-          <a:ext cx="0" cy="0"/>
-          <a:chOff x="0" y="0"/>
-          <a:chExt cx="0" cy="0"/>
-        </a:xfrm>
-      </p:grpSpPr>
-      <p:pic>
-        <p:nvPicPr>
-          <p:cNvPr id="10" name="圖片 9">
-            <a:extLst>
-              <a:ext uri="{FF2B5EF4-FFF2-40B4-BE49-F238E27FC236}">
-                <a16:creationId xmlns:a16="http://schemas.microsoft.com/office/drawing/2014/main" id="{4058E5C9-121E-444A-8439-BA6A937B0E8D}"/>
-              </a:ext>
-            </a:extLst>
-          </p:cNvPr>
-          <p:cNvPicPr>
-            <a:picLocks noChangeAspect="1"/>
-          </p:cNvPicPr>
-          <p:nvPr/>
-        </p:nvPicPr>
-        <p:blipFill>
-          <a:blip r:embed="rId2"/>
-          <a:stretch>
-            <a:fillRect/>
-          </a:stretch>
-        </p:blipFill>
-        <p:spPr>
-          <a:xfrm>
-            <a:off x="522339" y="1690688"/>
-            <a:ext cx="8747021" cy="4557600"/>
-          </a:xfrm>
-          <a:prstGeom prst="rect">
-            <a:avLst/>
-          </a:prstGeom>
-        </p:spPr>
-      </p:pic>
-      <p:sp>
-        <p:nvSpPr>
-          <p:cNvPr id="2" name="標題 1">
-            <a:extLst>
-              <a:ext uri="{FF2B5EF4-FFF2-40B4-BE49-F238E27FC236}">
-                <a16:creationId xmlns:a16="http://schemas.microsoft.com/office/drawing/2014/main" id="{5C1F50E3-2316-4E9E-8D16-006E89013110}"/>
-              </a:ext>
-            </a:extLst>
-          </p:cNvPr>
-          <p:cNvSpPr>
-            <a:spLocks noGrp="1"/>
-          </p:cNvSpPr>
-          <p:nvPr>
-            <p:ph type="title"/>
-          </p:nvPr>
-        </p:nvSpPr>
-        <p:spPr/>
-        <p:txBody>
-          <a:bodyPr/>
-          <a:lstStyle/>
-          <a:p>
-            <a:r>
-              <a:rPr lang="en-US" altLang="zh-TW" dirty="0"/>
-              <a:t>Optimize Design 1</a:t>
-            </a:r>
-            <a:br>
-              <a:rPr lang="en-US" altLang="zh-TW" dirty="0"/>
-            </a:br>
-            <a:r>
-              <a:rPr lang="en-US" altLang="zh-TW" dirty="0" err="1"/>
-              <a:t>enable_flush</a:t>
-            </a:r>
-            <a:endParaRPr lang="zh-TW" altLang="en-US" dirty="0"/>
-          </a:p>
-        </p:txBody>
-      </p:sp>
-      <p:sp>
-        <p:nvSpPr>
-          <p:cNvPr id="7" name="文字方塊 6">
-            <a:extLst>
-              <a:ext uri="{FF2B5EF4-FFF2-40B4-BE49-F238E27FC236}">
-                <a16:creationId xmlns:a16="http://schemas.microsoft.com/office/drawing/2014/main" id="{2B8DE209-73CF-4E9C-B679-DAF5EDE231D2}"/>
-              </a:ext>
-            </a:extLst>
-          </p:cNvPr>
-          <p:cNvSpPr txBox="1"/>
-          <p:nvPr/>
-        </p:nvSpPr>
-        <p:spPr>
-          <a:xfrm>
-            <a:off x="9345560" y="3969488"/>
-            <a:ext cx="2447511" cy="2308324"/>
-          </a:xfrm>
-          <a:prstGeom prst="rect">
-            <a:avLst/>
-          </a:prstGeom>
-          <a:noFill/>
-        </p:spPr>
-        <p:txBody>
-          <a:bodyPr wrap="square" rtlCol="0">
-            <a:spAutoFit/>
-          </a:bodyPr>
-          <a:lstStyle/>
-          <a:p>
-            <a:r>
-              <a:rPr lang="en-US" altLang="zh-TW" b="1" dirty="0"/>
-              <a:t>Number of registers decreases about a half for LUT. The pipeline will not stall after adding </a:t>
-            </a:r>
-            <a:r>
-              <a:rPr lang="en-US" altLang="zh-TW" b="1" dirty="0" err="1"/>
-              <a:t>enable_flush</a:t>
-            </a:r>
-            <a:r>
-              <a:rPr lang="en-US" altLang="zh-TW" b="1" dirty="0"/>
-              <a:t>, that is, it do not need to keep the outputs during pipeline stall.</a:t>
-            </a:r>
-            <a:endParaRPr lang="zh-TW" altLang="en-US" b="1" dirty="0"/>
-          </a:p>
-        </p:txBody>
-      </p:sp>
-      <p:pic>
-        <p:nvPicPr>
-          <p:cNvPr id="13" name="圖片 12">
-            <a:extLst>
-              <a:ext uri="{FF2B5EF4-FFF2-40B4-BE49-F238E27FC236}">
-                <a16:creationId xmlns:a16="http://schemas.microsoft.com/office/drawing/2014/main" id="{3FAECE45-7C3F-4992-B2F9-C96D35C59503}"/>
-              </a:ext>
-            </a:extLst>
-          </p:cNvPr>
-          <p:cNvPicPr>
-            <a:picLocks noChangeAspect="1"/>
-          </p:cNvPicPr>
-          <p:nvPr/>
-        </p:nvPicPr>
-        <p:blipFill>
-          <a:blip r:embed="rId3"/>
-          <a:stretch>
-            <a:fillRect/>
-          </a:stretch>
-        </p:blipFill>
-        <p:spPr>
-          <a:xfrm>
-            <a:off x="6767808" y="362480"/>
-            <a:ext cx="4738392" cy="2991568"/>
-          </a:xfrm>
-          <a:prstGeom prst="rect">
-            <a:avLst/>
-          </a:prstGeom>
-        </p:spPr>
-      </p:pic>
-      <p:sp>
-        <p:nvSpPr>
-          <p:cNvPr id="6" name="矩形: 圓角 5">
-            <a:extLst>
-              <a:ext uri="{FF2B5EF4-FFF2-40B4-BE49-F238E27FC236}">
-                <a16:creationId xmlns:a16="http://schemas.microsoft.com/office/drawing/2014/main" id="{84FC2D19-3B85-411B-8125-F2862A54134B}"/>
-              </a:ext>
-            </a:extLst>
-          </p:cNvPr>
-          <p:cNvSpPr/>
-          <p:nvPr/>
-        </p:nvSpPr>
-        <p:spPr>
-          <a:xfrm>
-            <a:off x="6851359" y="2175782"/>
-            <a:ext cx="4214574" cy="271085"/>
-          </a:xfrm>
-          <a:prstGeom prst="roundRect">
-            <a:avLst/>
-          </a:prstGeom>
-          <a:noFill/>
-          <a:ln w="38100">
-            <a:solidFill>
-              <a:srgbClr val="FF0000"/>
-            </a:solidFill>
-          </a:ln>
-        </p:spPr>
-        <p:style>
-          <a:lnRef idx="2">
-            <a:schemeClr val="accent1">
-              <a:shade val="50000"/>
-            </a:schemeClr>
-          </a:lnRef>
-          <a:fillRef idx="1">
-            <a:schemeClr val="accent1"/>
-          </a:fillRef>
-          <a:effectRef idx="0">
-            <a:schemeClr val="accent1"/>
-          </a:effectRef>
-          <a:fontRef idx="minor">
-            <a:schemeClr val="lt1"/>
-          </a:fontRef>
-        </p:style>
-        <p:txBody>
-          <a:bodyPr rtlCol="0" anchor="ctr"/>
-          <a:lstStyle/>
-          <a:p>
-            <a:pPr algn="ctr"/>
-            <a:endParaRPr lang="zh-TW" altLang="en-US"/>
-          </a:p>
-        </p:txBody>
-      </p:sp>
-    </p:spTree>
-    <p:extLst>
-      <p:ext uri="{BB962C8B-B14F-4D97-AF65-F5344CB8AC3E}">
-        <p14:creationId xmlns:p14="http://schemas.microsoft.com/office/powerpoint/2010/main" val="3679116663"/>
       </p:ext>
     </p:extLst>
   </p:cSld>

--- a/LABB_video_processing/110061562_presentation.pptx
+++ b/LABB_video_processing/110061562_presentation.pptx
@@ -225,7 +225,7 @@
           <a:p>
             <a:fld id="{22B2568F-10EF-4179-9181-F11D324DF7E1}" type="datetimeFigureOut">
               <a:rPr lang="zh-TW" altLang="en-US" smtClean="0"/>
-              <a:t>2022/3/29</a:t>
+              <a:t>2022/3/30</a:t>
             </a:fld>
             <a:endParaRPr lang="zh-TW" altLang="en-US"/>
           </a:p>
@@ -723,7 +723,7 @@
           <a:p>
             <a:fld id="{2F467076-5D24-47E1-BCF9-22C0B3602CC1}" type="datetimeFigureOut">
               <a:rPr lang="zh-TW" altLang="en-US" smtClean="0"/>
-              <a:t>2022/3/29</a:t>
+              <a:t>2022/3/30</a:t>
             </a:fld>
             <a:endParaRPr lang="zh-TW" altLang="en-US"/>
           </a:p>
@@ -921,7 +921,7 @@
           <a:p>
             <a:fld id="{2F467076-5D24-47E1-BCF9-22C0B3602CC1}" type="datetimeFigureOut">
               <a:rPr lang="zh-TW" altLang="en-US" smtClean="0"/>
-              <a:t>2022/3/29</a:t>
+              <a:t>2022/3/30</a:t>
             </a:fld>
             <a:endParaRPr lang="zh-TW" altLang="en-US"/>
           </a:p>
@@ -1129,7 +1129,7 @@
           <a:p>
             <a:fld id="{2F467076-5D24-47E1-BCF9-22C0B3602CC1}" type="datetimeFigureOut">
               <a:rPr lang="zh-TW" altLang="en-US" smtClean="0"/>
-              <a:t>2022/3/29</a:t>
+              <a:t>2022/3/30</a:t>
             </a:fld>
             <a:endParaRPr lang="zh-TW" altLang="en-US"/>
           </a:p>
@@ -1327,7 +1327,7 @@
           <a:p>
             <a:fld id="{2F467076-5D24-47E1-BCF9-22C0B3602CC1}" type="datetimeFigureOut">
               <a:rPr lang="zh-TW" altLang="en-US" smtClean="0"/>
-              <a:t>2022/3/29</a:t>
+              <a:t>2022/3/30</a:t>
             </a:fld>
             <a:endParaRPr lang="zh-TW" altLang="en-US"/>
           </a:p>
@@ -1602,7 +1602,7 @@
           <a:p>
             <a:fld id="{2F467076-5D24-47E1-BCF9-22C0B3602CC1}" type="datetimeFigureOut">
               <a:rPr lang="zh-TW" altLang="en-US" smtClean="0"/>
-              <a:t>2022/3/29</a:t>
+              <a:t>2022/3/30</a:t>
             </a:fld>
             <a:endParaRPr lang="zh-TW" altLang="en-US"/>
           </a:p>
@@ -1867,7 +1867,7 @@
           <a:p>
             <a:fld id="{2F467076-5D24-47E1-BCF9-22C0B3602CC1}" type="datetimeFigureOut">
               <a:rPr lang="zh-TW" altLang="en-US" smtClean="0"/>
-              <a:t>2022/3/29</a:t>
+              <a:t>2022/3/30</a:t>
             </a:fld>
             <a:endParaRPr lang="zh-TW" altLang="en-US"/>
           </a:p>
@@ -2279,7 +2279,7 @@
           <a:p>
             <a:fld id="{2F467076-5D24-47E1-BCF9-22C0B3602CC1}" type="datetimeFigureOut">
               <a:rPr lang="zh-TW" altLang="en-US" smtClean="0"/>
-              <a:t>2022/3/29</a:t>
+              <a:t>2022/3/30</a:t>
             </a:fld>
             <a:endParaRPr lang="zh-TW" altLang="en-US"/>
           </a:p>
@@ -2420,7 +2420,7 @@
           <a:p>
             <a:fld id="{2F467076-5D24-47E1-BCF9-22C0B3602CC1}" type="datetimeFigureOut">
               <a:rPr lang="zh-TW" altLang="en-US" smtClean="0"/>
-              <a:t>2022/3/29</a:t>
+              <a:t>2022/3/30</a:t>
             </a:fld>
             <a:endParaRPr lang="zh-TW" altLang="en-US"/>
           </a:p>
@@ -2533,7 +2533,7 @@
           <a:p>
             <a:fld id="{2F467076-5D24-47E1-BCF9-22C0B3602CC1}" type="datetimeFigureOut">
               <a:rPr lang="zh-TW" altLang="en-US" smtClean="0"/>
-              <a:t>2022/3/29</a:t>
+              <a:t>2022/3/30</a:t>
             </a:fld>
             <a:endParaRPr lang="zh-TW" altLang="en-US"/>
           </a:p>
@@ -2844,7 +2844,7 @@
           <a:p>
             <a:fld id="{2F467076-5D24-47E1-BCF9-22C0B3602CC1}" type="datetimeFigureOut">
               <a:rPr lang="zh-TW" altLang="en-US" smtClean="0"/>
-              <a:t>2022/3/29</a:t>
+              <a:t>2022/3/30</a:t>
             </a:fld>
             <a:endParaRPr lang="zh-TW" altLang="en-US"/>
           </a:p>
@@ -3132,7 +3132,7 @@
           <a:p>
             <a:fld id="{2F467076-5D24-47E1-BCF9-22C0B3602CC1}" type="datetimeFigureOut">
               <a:rPr lang="zh-TW" altLang="en-US" smtClean="0"/>
-              <a:t>2022/3/29</a:t>
+              <a:t>2022/3/30</a:t>
             </a:fld>
             <a:endParaRPr lang="zh-TW" altLang="en-US"/>
           </a:p>
@@ -3373,7 +3373,7 @@
           <a:p>
             <a:fld id="{2F467076-5D24-47E1-BCF9-22C0B3602CC1}" type="datetimeFigureOut">
               <a:rPr lang="zh-TW" altLang="en-US" smtClean="0"/>
-              <a:t>2022/3/29</a:t>
+              <a:t>2022/3/30</a:t>
             </a:fld>
             <a:endParaRPr lang="zh-TW" altLang="en-US"/>
           </a:p>
@@ -9060,7 +9060,7 @@
             </a:pPr>
             <a:r>
               <a:rPr lang="en-US" altLang="zh-TW" dirty="0"/>
-              <a:t>We cannot achieve II = 1 when we access  3$\times$3 pixels from </a:t>
+              <a:t>We cannot achieve II = 1 when we access  3x3 pixels from </a:t>
             </a:r>
             <a:r>
               <a:rPr lang="en-US" altLang="zh-TW" dirty="0" err="1"/>
@@ -9096,7 +9096,7 @@
             </a:pPr>
             <a:r>
               <a:rPr lang="en-US" altLang="zh-TW" dirty="0"/>
-              <a:t>rewind will help to decrease the latency that main function prepares to access the next input.</a:t>
+              <a:t>Rewind will help to decrease the latency that top function prepares to access the next input.</a:t>
             </a:r>
           </a:p>
           <a:p>
